--- a/SlidesPublicação/Eric-Critérios de divisibilidade e Crivos de Eratóstenes.pptx
+++ b/SlidesPublicação/Eric-Critérios de divisibilidade e Crivos de Eratóstenes.pptx
@@ -5,10 +5,10 @@
     <p:sldMasterId id="2147483660" r:id="rId1"/>
   </p:sldMasterIdLst>
   <p:notesMasterIdLst>
-    <p:notesMasterId r:id="rId19"/>
+    <p:notesMasterId r:id="rId25"/>
   </p:notesMasterIdLst>
   <p:handoutMasterIdLst>
-    <p:handoutMasterId r:id="rId20"/>
+    <p:handoutMasterId r:id="rId26"/>
   </p:handoutMasterIdLst>
   <p:sldIdLst>
     <p:sldId id="256" r:id="rId2"/>
@@ -16,18 +16,24 @@
     <p:sldId id="259" r:id="rId4"/>
     <p:sldId id="260" r:id="rId5"/>
     <p:sldId id="266" r:id="rId6"/>
-    <p:sldId id="262" r:id="rId7"/>
-    <p:sldId id="271" r:id="rId8"/>
-    <p:sldId id="272" r:id="rId9"/>
-    <p:sldId id="263" r:id="rId10"/>
-    <p:sldId id="270" r:id="rId11"/>
-    <p:sldId id="267" r:id="rId12"/>
-    <p:sldId id="264" r:id="rId13"/>
-    <p:sldId id="268" r:id="rId14"/>
-    <p:sldId id="269" r:id="rId15"/>
-    <p:sldId id="265" r:id="rId16"/>
-    <p:sldId id="261" r:id="rId17"/>
-    <p:sldId id="258" r:id="rId18"/>
+    <p:sldId id="273" r:id="rId7"/>
+    <p:sldId id="274" r:id="rId8"/>
+    <p:sldId id="262" r:id="rId9"/>
+    <p:sldId id="271" r:id="rId10"/>
+    <p:sldId id="272" r:id="rId11"/>
+    <p:sldId id="263" r:id="rId12"/>
+    <p:sldId id="270" r:id="rId13"/>
+    <p:sldId id="267" r:id="rId14"/>
+    <p:sldId id="264" r:id="rId15"/>
+    <p:sldId id="268" r:id="rId16"/>
+    <p:sldId id="275" r:id="rId17"/>
+    <p:sldId id="276" r:id="rId18"/>
+    <p:sldId id="278" r:id="rId19"/>
+    <p:sldId id="279" r:id="rId20"/>
+    <p:sldId id="269" r:id="rId21"/>
+    <p:sldId id="265" r:id="rId22"/>
+    <p:sldId id="261" r:id="rId23"/>
+    <p:sldId id="258" r:id="rId24"/>
   </p:sldIdLst>
   <p:sldSz cx="9144000" cy="6858000" type="screen4x3"/>
   <p:notesSz cx="6858000" cy="9144000"/>
@@ -227,7 +233,7 @@
           <a:p>
             <a:fld id="{4A9D9D7F-7D5B-41A3-88C9-7CF934749F80}" type="datetimeFigureOut">
               <a:rPr lang="pt-BR" smtClean="0"/>
-              <a:t>02/02/2019</a:t>
+              <a:t>14/02/2021</a:t>
             </a:fld>
             <a:endParaRPr lang="pt-BR"/>
           </a:p>
@@ -396,7 +402,7 @@
           <a:p>
             <a:fld id="{23B97444-255E-4DE6-A478-F60871CC9C70}" type="datetimeFigureOut">
               <a:rPr lang="pt-BR" smtClean="0"/>
-              <a:t>02/02/2019</a:t>
+              <a:t>12/02/2021</a:t>
             </a:fld>
             <a:endParaRPr lang="pt-BR"/>
           </a:p>
@@ -1600,7 +1606,6 @@
               <a:schemeClr val="bg1"/>
             </a:solidFill>
           </a:ln>
-          <a:extLst/>
         </p:spPr>
         <p:txBody>
           <a:bodyPr vert="horz" wrap="square" lIns="121899" tIns="60949" rIns="121899" bIns="60949" numCol="1" rtlCol="0" anchor="t" anchorCtr="0" compatLnSpc="1">
@@ -1798,7 +1803,7 @@
           <a:p>
             <a:fld id="{36B74C9C-979C-4559-AA1D-9654A9AC4097}" type="datetime1">
               <a:rPr lang="pt-BR" smtClean="0"/>
-              <a:t>02/02/2019</a:t>
+              <a:t>12/02/2021</a:t>
             </a:fld>
             <a:endParaRPr lang="pt-BR"/>
           </a:p>
@@ -2021,7 +2026,7 @@
           <a:p>
             <a:fld id="{D334CE75-763A-4DB9-8F24-E87DDDE1EA8E}" type="datetime1">
               <a:rPr lang="pt-BR" smtClean="0"/>
-              <a:t>02/02/2019</a:t>
+              <a:t>12/02/2021</a:t>
             </a:fld>
             <a:endParaRPr lang="pt-BR"/>
           </a:p>
@@ -2688,7 +2693,6 @@
           <a:ln>
             <a:noFill/>
           </a:ln>
-          <a:extLst/>
         </p:spPr>
         <p:txBody>
           <a:bodyPr vert="horz" wrap="square" lIns="91440" tIns="45720" rIns="91440" bIns="45720" numCol="1" rtlCol="0" anchor="t" anchorCtr="0" compatLnSpc="1">
@@ -2841,7 +2845,7 @@
           <a:p>
             <a:fld id="{5AF08BAD-E734-4F68-921D-A381596F0475}" type="datetime1">
               <a:rPr lang="pt-BR" smtClean="0"/>
-              <a:t>02/02/2019</a:t>
+              <a:t>12/02/2021</a:t>
             </a:fld>
             <a:endParaRPr lang="pt-BR"/>
           </a:p>
@@ -3043,7 +3047,7 @@
           <a:p>
             <a:fld id="{AE58768C-FD7B-4F03-B94C-66E930E6490E}" type="datetime1">
               <a:rPr lang="pt-BR" smtClean="0"/>
-              <a:t>02/02/2019</a:t>
+              <a:t>12/02/2021</a:t>
             </a:fld>
             <a:endParaRPr lang="pt-BR"/>
           </a:p>
@@ -3722,7 +3726,6 @@
               <a:schemeClr val="bg1"/>
             </a:solidFill>
           </a:ln>
-          <a:extLst/>
         </p:spPr>
         <p:txBody>
           <a:bodyPr vert="horz" wrap="square" lIns="121899" tIns="60949" rIns="121899" bIns="60949" numCol="1" rtlCol="0" anchor="t" anchorCtr="0" compatLnSpc="1">
@@ -4310,7 +4313,7 @@
           <a:p>
             <a:fld id="{034FC774-208D-40FC-91FF-51631716A18C}" type="datetime1">
               <a:rPr lang="pt-BR" smtClean="0"/>
-              <a:t>02/02/2019</a:t>
+              <a:t>12/02/2021</a:t>
             </a:fld>
             <a:endParaRPr lang="pt-BR"/>
           </a:p>
@@ -4635,7 +4638,7 @@
           <a:p>
             <a:fld id="{B9FC61A2-0EF2-4224-89C3-78B2EA1F07F6}" type="datetime1">
               <a:rPr lang="pt-BR" smtClean="0"/>
-              <a:t>02/02/2019</a:t>
+              <a:t>12/02/2021</a:t>
             </a:fld>
             <a:endParaRPr lang="pt-BR"/>
           </a:p>
@@ -5087,7 +5090,7 @@
           <a:p>
             <a:fld id="{9CF1A374-219D-4DBA-82B4-0695B961C3E2}" type="datetime1">
               <a:rPr lang="pt-BR" smtClean="0"/>
-              <a:t>02/02/2019</a:t>
+              <a:t>12/02/2021</a:t>
             </a:fld>
             <a:endParaRPr lang="pt-BR"/>
           </a:p>
@@ -5221,7 +5224,7 @@
           <a:p>
             <a:fld id="{09A4221C-35F9-4C36-903F-17E0CF1177AA}" type="datetime1">
               <a:rPr lang="pt-BR" smtClean="0"/>
-              <a:t>02/02/2019</a:t>
+              <a:t>12/02/2021</a:t>
             </a:fld>
             <a:endParaRPr lang="pt-BR"/>
           </a:p>
@@ -5559,7 +5562,7 @@
           <a:p>
             <a:fld id="{2C3A88EF-8A64-4485-8918-E85E0FA59758}" type="datetime1">
               <a:rPr lang="pt-BR" smtClean="0"/>
-              <a:t>02/02/2019</a:t>
+              <a:t>12/02/2021</a:t>
             </a:fld>
             <a:endParaRPr lang="pt-BR"/>
           </a:p>
@@ -6054,7 +6057,7 @@
           <a:p>
             <a:fld id="{3AB311D2-470C-43C5-A526-567AFEA7D7E2}" type="datetime1">
               <a:rPr lang="pt-BR" smtClean="0"/>
-              <a:t>02/02/2019</a:t>
+              <a:t>12/02/2021</a:t>
             </a:fld>
             <a:endParaRPr lang="pt-BR"/>
           </a:p>
@@ -6507,7 +6510,7 @@
           <a:p>
             <a:fld id="{06972F68-CCEE-4BA1-A096-ADC553B5B8EF}" type="datetime1">
               <a:rPr lang="pt-BR" smtClean="0"/>
-              <a:t>02/02/2019</a:t>
+              <a:t>12/02/2021</a:t>
             </a:fld>
             <a:endParaRPr lang="pt-BR"/>
           </a:p>
@@ -7230,7 +7233,6 @@
           <a:ln>
             <a:noFill/>
           </a:ln>
-          <a:extLst/>
         </p:spPr>
         <p:txBody>
           <a:bodyPr vert="horz" wrap="square" lIns="91440" tIns="45720" rIns="91440" bIns="45720" numCol="1" rtlCol="0" anchor="t" anchorCtr="0" compatLnSpc="1">
@@ -7407,7 +7409,7 @@
           <a:p>
             <a:fld id="{8DDDBADE-5E78-474A-B0DC-7ABCD5561144}" type="datetime1">
               <a:rPr lang="pt-BR" smtClean="0"/>
-              <a:t>02/02/2019</a:t>
+              <a:t>12/02/2021</a:t>
             </a:fld>
             <a:endParaRPr lang="pt-BR"/>
           </a:p>
@@ -7806,7 +7808,7 @@
       </a:lvl9pPr>
     </p:otherStyle>
   </p:txStyles>
-  <p:extLst mod="1">
+  <p:extLst>
     <p:ext uri="{27BBF7A9-308A-43DC-89C8-2F10F3537804}">
       <p15:sldGuideLst xmlns:p15="http://schemas.microsoft.com/office/powerpoint/2012/main">
         <p15:guide id="1" orient="horz" pos="2160" userDrawn="1">
@@ -7855,7 +7857,7 @@
         <p:spPr>
           <a:xfrm>
             <a:off x="1403648" y="980728"/>
-            <a:ext cx="7344815" cy="2680127"/>
+            <a:ext cx="7740352" cy="2680127"/>
           </a:xfrm>
         </p:spPr>
         <p:txBody>
@@ -7866,7 +7868,21 @@
           <a:p>
             <a:r>
               <a:rPr lang="pt-BR" dirty="0"/>
-              <a:t>Critérios de divisibilidade, Números primos e Crivo de Eratóstenes </a:t>
+              <a:t>Critérios de divisibilidade, </a:t>
+            </a:r>
+            <a:br>
+              <a:rPr lang="pt-BR" dirty="0"/>
+            </a:br>
+            <a:r>
+              <a:rPr lang="pt-BR" dirty="0"/>
+              <a:t>Números primos e </a:t>
+            </a:r>
+            <a:br>
+              <a:rPr lang="pt-BR" dirty="0"/>
+            </a:br>
+            <a:r>
+              <a:rPr lang="pt-BR" dirty="0"/>
+              <a:t>Crivo de Eratóstenes </a:t>
             </a:r>
           </a:p>
         </p:txBody>
@@ -7955,7 +7971,7 @@
           <a:p>
             <a:r>
               <a:rPr lang="pt-BR" dirty="0"/>
-              <a:t>Divisibilidade por 7</a:t>
+              <a:t>Divisibilidade por 6</a:t>
             </a:r>
           </a:p>
         </p:txBody>
@@ -7973,134 +7989,118 @@
         <p:spPr/>
         <p:txBody>
           <a:bodyPr>
-            <a:normAutofit fontScale="92500" lnSpcReduction="20000"/>
+            <a:normAutofit/>
           </a:bodyPr>
           <a:lstStyle/>
           <a:p>
-            <a:r>
-              <a:rPr lang="pt-BR" b="1" dirty="0">
+            <a:pPr marL="514350" indent="-514350">
+              <a:buAutoNum type="alphaLcParenR"/>
+            </a:pPr>
+            <a:r>
+              <a:rPr lang="pt-BR" dirty="0"/>
+              <a:t>174 </a:t>
+            </a:r>
+            <a:r>
+              <a:rPr lang="pt-BR" dirty="0">
+                <a:solidFill>
+                  <a:srgbClr val="00B050"/>
+                </a:solidFill>
+              </a:rPr>
+              <a:t>Sim</a:t>
+            </a:r>
+            <a:r>
+              <a:rPr lang="pt-BR" dirty="0">
                 <a:solidFill>
                   <a:srgbClr val="FF0000"/>
                 </a:solidFill>
               </a:rPr>
-              <a:t>Forma 1</a:t>
-            </a:r>
+              <a:t>, pois é par (divisível por 2) e 1+7+4 = 12 (divisível por 3)</a:t>
+            </a:r>
+          </a:p>
+          <a:p>
+            <a:pPr marL="514350" indent="-514350">
+              <a:buAutoNum type="alphaLcParenR"/>
+            </a:pPr>
             <a:endParaRPr lang="pt-BR" dirty="0"/>
           </a:p>
           <a:p>
+            <a:pPr marL="514350" indent="-514350">
+              <a:buFont typeface="Euphemia" pitchFamily="34" charset="0"/>
+              <a:buAutoNum type="alphaLcParenR"/>
+            </a:pPr>
             <a:r>
               <a:rPr lang="pt-BR" dirty="0"/>
-              <a:t>Número inicial menos 2 vezes o ultimo algarismo.</a:t>
+              <a:t>1252 </a:t>
+            </a:r>
+            <a:r>
+              <a:rPr lang="pt-BR" dirty="0">
+                <a:solidFill>
+                  <a:srgbClr val="FF0000"/>
+                </a:solidFill>
+              </a:rPr>
+              <a:t>Não,1+2+5+2 = 10 e não é múltiplo de 3</a:t>
+            </a:r>
+            <a:endParaRPr lang="pt-BR" dirty="0"/>
+          </a:p>
+          <a:p>
+            <a:pPr marL="514350" indent="-514350">
+              <a:buAutoNum type="alphaLcParenR"/>
+            </a:pPr>
+            <a:r>
+              <a:rPr lang="pt-BR" dirty="0"/>
+              <a:t>273 </a:t>
+            </a:r>
+            <a:r>
+              <a:rPr lang="pt-BR" dirty="0">
+                <a:solidFill>
+                  <a:srgbClr val="FF0000"/>
+                </a:solidFill>
+              </a:rPr>
+              <a:t>Não, pois não é par</a:t>
+            </a:r>
+          </a:p>
+          <a:p>
+            <a:pPr marL="514350" indent="-514350">
+              <a:buAutoNum type="alphaLcParenR"/>
+            </a:pPr>
+            <a:endParaRPr lang="pt-BR" dirty="0"/>
+          </a:p>
+          <a:p>
+            <a:pPr marL="514350" indent="-514350">
+              <a:buAutoNum type="alphaLcParenR"/>
+            </a:pPr>
+            <a:r>
+              <a:rPr lang="pt-BR" dirty="0"/>
+              <a:t>510 </a:t>
+            </a:r>
+            <a:r>
+              <a:rPr lang="pt-BR" dirty="0">
+                <a:solidFill>
+                  <a:srgbClr val="00B050"/>
+                </a:solidFill>
+              </a:rPr>
+              <a:t>Sim</a:t>
+            </a:r>
+            <a:r>
+              <a:rPr lang="pt-BR" dirty="0">
+                <a:solidFill>
+                  <a:srgbClr val="FF0000"/>
+                </a:solidFill>
+              </a:rPr>
+              <a:t>, pois é par (divisível por 2) e número 5+1+0 = 6 (divisível por 3)</a:t>
             </a:r>
           </a:p>
           <a:p>
             <a:pPr marL="0" indent="0">
               <a:buNone/>
             </a:pPr>
-            <a:r>
-              <a:rPr lang="pt-BR" dirty="0">
-                <a:solidFill>
-                  <a:schemeClr val="tx2">
-                    <a:lumMod val="65000"/>
-                    <a:lumOff val="35000"/>
-                  </a:schemeClr>
-                </a:solidFill>
-              </a:rPr>
-              <a:t>    35244 = 3524 - 2*4 =&gt; 3524 – 8 = 3516 </a:t>
-            </a:r>
+            <a:endParaRPr lang="pt-BR" dirty="0"/>
           </a:p>
           <a:p>
             <a:pPr marL="0" indent="0">
               <a:buNone/>
             </a:pPr>
-            <a:r>
-              <a:rPr lang="pt-BR" dirty="0">
-                <a:solidFill>
-                  <a:schemeClr val="tx2">
-                    <a:lumMod val="65000"/>
-                    <a:lumOff val="35000"/>
-                  </a:schemeClr>
-                </a:solidFill>
-              </a:rPr>
-              <a:t>    3516 = 351-2*6 =&gt; 351-12= 339 </a:t>
-            </a:r>
-          </a:p>
-          <a:p>
-            <a:pPr marL="0" indent="0">
-              <a:buNone/>
-            </a:pPr>
-            <a:r>
-              <a:rPr lang="pt-BR" dirty="0">
-                <a:solidFill>
-                  <a:schemeClr val="tx2">
-                    <a:lumMod val="65000"/>
-                    <a:lumOff val="35000"/>
-                  </a:schemeClr>
-                </a:solidFill>
-              </a:rPr>
-              <a:t>    339 = 33-2*9 =&gt; 33-18=&gt; 15</a:t>
-            </a:r>
-          </a:p>
-          <a:p>
-            <a:pPr marL="0" indent="0">
-              <a:buNone/>
-            </a:pPr>
-            <a:endParaRPr lang="pt-BR" dirty="0">
-              <a:solidFill>
-                <a:schemeClr val="tx2">
-                  <a:lumMod val="65000"/>
-                  <a:lumOff val="35000"/>
-                </a:schemeClr>
-              </a:solidFill>
-            </a:endParaRPr>
-          </a:p>
-          <a:p>
-            <a:pPr marL="0" indent="0">
-              <a:buNone/>
-            </a:pPr>
-            <a:r>
-              <a:rPr lang="pt-BR" dirty="0">
-                <a:solidFill>
-                  <a:schemeClr val="tx2">
-                    <a:lumMod val="65000"/>
-                    <a:lumOff val="35000"/>
-                  </a:schemeClr>
-                </a:solidFill>
-              </a:rPr>
-              <a:t>    62762 = 6276-2*2 =&gt; 6276- 4 = 6272</a:t>
-            </a:r>
-          </a:p>
-          <a:p>
-            <a:pPr marL="0" indent="0">
-              <a:buNone/>
-            </a:pPr>
-            <a:r>
-              <a:rPr lang="pt-BR" dirty="0">
-                <a:solidFill>
-                  <a:schemeClr val="tx2">
-                    <a:lumMod val="65000"/>
-                    <a:lumOff val="35000"/>
-                  </a:schemeClr>
-                </a:solidFill>
-              </a:rPr>
-              <a:t>    6272 = 627-2*2 =&gt; 627-4 = 623</a:t>
-            </a:r>
-          </a:p>
-          <a:p>
-            <a:pPr marL="0" indent="0">
-              <a:buNone/>
-            </a:pPr>
-            <a:r>
-              <a:rPr lang="pt-BR" dirty="0">
-                <a:solidFill>
-                  <a:schemeClr val="tx2">
-                    <a:lumMod val="65000"/>
-                    <a:lumOff val="35000"/>
-                  </a:schemeClr>
-                </a:solidFill>
-              </a:rPr>
-              <a:t>    623 = 62-2*3 =&gt; 62-6 = 56 </a:t>
-            </a:r>
+            <a:endParaRPr lang="pt-BR" dirty="0"/>
           </a:p>
         </p:txBody>
       </p:sp>
@@ -8152,7 +8152,7 @@
     </p:spTree>
     <p:extLst>
       <p:ext uri="{BB962C8B-B14F-4D97-AF65-F5344CB8AC3E}">
-        <p14:creationId xmlns:p14="http://schemas.microsoft.com/office/powerpoint/2010/main" val="130668266"/>
+        <p14:creationId xmlns:p14="http://schemas.microsoft.com/office/powerpoint/2010/main" val="596194452"/>
       </p:ext>
     </p:extLst>
   </p:cSld>
@@ -8226,10 +8226,28 @@
         <p:spPr/>
         <p:txBody>
           <a:bodyPr>
-            <a:normAutofit fontScale="92500" lnSpcReduction="20000"/>
+            <a:normAutofit lnSpcReduction="10000"/>
           </a:bodyPr>
           <a:lstStyle/>
           <a:p>
+            <a:pPr marL="0" indent="0" algn="ctr">
+              <a:buNone/>
+            </a:pPr>
+            <a:endParaRPr lang="pt-BR" dirty="0"/>
+          </a:p>
+          <a:p>
+            <a:pPr marL="0" indent="0" algn="ctr">
+              <a:buNone/>
+            </a:pPr>
+            <a:r>
+              <a:rPr lang="pt-BR" dirty="0"/>
+              <a:t>Existem duas formas</a:t>
+            </a:r>
+          </a:p>
+          <a:p>
+            <a:pPr marL="0" indent="0">
+              <a:buNone/>
+            </a:pPr>
             <a:r>
               <a:rPr lang="pt-BR" b="1" dirty="0">
                 <a:solidFill>
@@ -8238,51 +8256,38 @@
               </a:rPr>
               <a:t>Forma 1</a:t>
             </a:r>
-            <a:endParaRPr lang="pt-BR" dirty="0"/>
           </a:p>
           <a:p>
             <a:r>
               <a:rPr lang="pt-BR" dirty="0"/>
               <a:t>Número inicial menos 2 vezes o ultimo algarismo.</a:t>
             </a:r>
+          </a:p>
+          <a:p>
+            <a:endParaRPr lang="pt-BR" dirty="0"/>
           </a:p>
           <a:p>
             <a:pPr marL="0" indent="0">
               <a:buNone/>
             </a:pPr>
             <a:r>
-              <a:rPr lang="pt-BR" dirty="0"/>
-              <a:t>    35244 = 3524 - 2*</a:t>
-            </a:r>
-            <a:r>
-              <a:rPr lang="pt-BR" dirty="0">
+              <a:rPr lang="pt-BR" b="1" dirty="0">
                 <a:solidFill>
                   <a:srgbClr val="FF0000"/>
                 </a:solidFill>
               </a:rPr>
-              <a:t>4</a:t>
-            </a:r>
-            <a:r>
-              <a:rPr lang="pt-BR" dirty="0"/>
-              <a:t> =&gt; 3524 – 8 = 3516 </a:t>
-            </a:r>
-          </a:p>
-          <a:p>
-            <a:pPr marL="0" indent="0">
-              <a:buNone/>
-            </a:pPr>
-            <a:r>
-              <a:rPr lang="pt-BR" dirty="0"/>
-              <a:t>    3516 = 351-2*</a:t>
-            </a:r>
-            <a:r>
-              <a:rPr lang="pt-BR" dirty="0">
-                <a:solidFill>
-                  <a:srgbClr val="FF0000"/>
-                </a:solidFill>
-              </a:rPr>
-              <a:t>6 </a:t>
-            </a:r>
+              <a:t>Forma 2</a:t>
+            </a:r>
+            <a:endParaRPr lang="pt-BR" dirty="0">
+              <a:solidFill>
+                <a:schemeClr val="tx2">
+                  <a:lumMod val="65000"/>
+                  <a:lumOff val="35000"/>
+                </a:schemeClr>
+              </a:solidFill>
+            </a:endParaRPr>
+          </a:p>
+          <a:p>
             <a:r>
               <a:rPr lang="pt-BR" dirty="0">
                 <a:solidFill>
@@ -8292,155 +8297,8 @@
                   </a:schemeClr>
                 </a:solidFill>
               </a:rPr>
-              <a:t>=&gt; 351-12</a:t>
-            </a:r>
-            <a:r>
-              <a:rPr lang="pt-BR" dirty="0"/>
-              <a:t>= 339 </a:t>
-            </a:r>
-          </a:p>
-          <a:p>
-            <a:pPr marL="0" indent="0">
-              <a:buNone/>
-            </a:pPr>
-            <a:r>
-              <a:rPr lang="pt-BR" dirty="0"/>
-              <a:t>    339 = 33-2*</a:t>
-            </a:r>
-            <a:r>
-              <a:rPr lang="pt-BR" dirty="0">
-                <a:solidFill>
-                  <a:srgbClr val="FF0000"/>
-                </a:solidFill>
-              </a:rPr>
-              <a:t>9</a:t>
-            </a:r>
-            <a:r>
-              <a:rPr lang="pt-BR" dirty="0"/>
-              <a:t> =&gt; 33-18=&gt; 15 </a:t>
-            </a:r>
-            <a:r>
-              <a:rPr lang="pt-BR" dirty="0">
-                <a:solidFill>
-                  <a:srgbClr val="FF0000"/>
-                </a:solidFill>
-              </a:rPr>
-              <a:t>Não é </a:t>
-            </a:r>
-            <a:r>
-              <a:rPr lang="pt-BR" dirty="0" err="1">
-                <a:solidFill>
-                  <a:srgbClr val="FF0000"/>
-                </a:solidFill>
-              </a:rPr>
-              <a:t>div</a:t>
-            </a:r>
-            <a:r>
-              <a:rPr lang="pt-BR" dirty="0">
-                <a:solidFill>
-                  <a:srgbClr val="FF0000"/>
-                </a:solidFill>
-              </a:rPr>
-              <a:t> 7</a:t>
-            </a:r>
-          </a:p>
-          <a:p>
-            <a:pPr marL="0" indent="0">
-              <a:buNone/>
-            </a:pPr>
-            <a:endParaRPr lang="pt-BR" dirty="0"/>
-          </a:p>
-          <a:p>
-            <a:pPr marL="0" indent="0">
-              <a:buNone/>
-            </a:pPr>
-            <a:r>
-              <a:rPr lang="pt-BR" dirty="0"/>
-              <a:t>    62762 = 6276-2*</a:t>
-            </a:r>
-            <a:r>
-              <a:rPr lang="pt-BR" dirty="0">
-                <a:solidFill>
-                  <a:srgbClr val="FF0000"/>
-                </a:solidFill>
-              </a:rPr>
-              <a:t>2</a:t>
-            </a:r>
-            <a:r>
-              <a:rPr lang="pt-BR" dirty="0"/>
-              <a:t> =&gt; 6276- 4 = 6272</a:t>
-            </a:r>
-          </a:p>
-          <a:p>
-            <a:pPr marL="0" indent="0">
-              <a:buNone/>
-            </a:pPr>
-            <a:r>
-              <a:rPr lang="pt-BR" dirty="0"/>
-              <a:t>    6272 = 627-2*</a:t>
-            </a:r>
-            <a:r>
-              <a:rPr lang="pt-BR" dirty="0">
-                <a:solidFill>
-                  <a:srgbClr val="FF0000"/>
-                </a:solidFill>
-              </a:rPr>
-              <a:t>2</a:t>
-            </a:r>
-            <a:r>
-              <a:rPr lang="pt-BR" dirty="0"/>
-              <a:t> =&gt; 627-4 = 623</a:t>
-            </a:r>
-          </a:p>
-          <a:p>
-            <a:pPr marL="0" indent="0">
-              <a:buNone/>
-            </a:pPr>
-            <a:r>
-              <a:rPr lang="pt-BR" dirty="0"/>
-              <a:t>    623 = 62-2*</a:t>
-            </a:r>
-            <a:r>
-              <a:rPr lang="pt-BR" dirty="0">
-                <a:solidFill>
-                  <a:srgbClr val="FF0000"/>
-                </a:solidFill>
-              </a:rPr>
-              <a:t>3</a:t>
-            </a:r>
-            <a:r>
-              <a:rPr lang="pt-BR" dirty="0"/>
-              <a:t> =&gt; 62-6 = 56 </a:t>
-            </a:r>
-            <a:r>
-              <a:rPr lang="pt-BR" dirty="0">
-                <a:solidFill>
-                  <a:srgbClr val="FF0000"/>
-                </a:solidFill>
-              </a:rPr>
-              <a:t>É </a:t>
-            </a:r>
-            <a:r>
-              <a:rPr lang="pt-BR" dirty="0" err="1">
-                <a:solidFill>
-                  <a:srgbClr val="FF0000"/>
-                </a:solidFill>
-              </a:rPr>
-              <a:t>div</a:t>
-            </a:r>
-            <a:r>
-              <a:rPr lang="pt-BR" dirty="0">
-                <a:solidFill>
-                  <a:srgbClr val="FF0000"/>
-                </a:solidFill>
-              </a:rPr>
-              <a:t> 7</a:t>
-            </a:r>
-          </a:p>
-          <a:p>
-            <a:pPr marL="0" indent="0">
-              <a:buNone/>
-            </a:pPr>
+              <a:t>Número inicial mais 5 vezes o ultimo algarismo</a:t>
+            </a:r>
             <a:endParaRPr lang="pt-BR" dirty="0"/>
           </a:p>
         </p:txBody>
@@ -8493,7 +8351,7 @@
     </p:spTree>
     <p:extLst>
       <p:ext uri="{BB962C8B-B14F-4D97-AF65-F5344CB8AC3E}">
-        <p14:creationId xmlns:p14="http://schemas.microsoft.com/office/powerpoint/2010/main" val="2455037870"/>
+        <p14:creationId xmlns:p14="http://schemas.microsoft.com/office/powerpoint/2010/main" val="213939106"/>
       </p:ext>
     </p:extLst>
   </p:cSld>
@@ -8577,14 +8435,14 @@
                   <a:srgbClr val="FF0000"/>
                 </a:solidFill>
               </a:rPr>
-              <a:t>Forma 2</a:t>
+              <a:t>Forma 1</a:t>
             </a:r>
             <a:endParaRPr lang="pt-BR" dirty="0"/>
           </a:p>
           <a:p>
             <a:r>
               <a:rPr lang="pt-BR" dirty="0"/>
-              <a:t>Número inicial mais 5 vezes o ultimo algarismo.</a:t>
+              <a:t>Número inicial menos 2 vezes o ultimo algarismo.</a:t>
             </a:r>
           </a:p>
           <a:p>
@@ -8592,8 +8450,15 @@
               <a:buNone/>
             </a:pPr>
             <a:r>
-              <a:rPr lang="pt-BR" dirty="0"/>
-              <a:t>    35244 = 3524 + 5*4 =&gt; 3524 + 20 = 3544</a:t>
+              <a:rPr lang="pt-BR" dirty="0">
+                <a:solidFill>
+                  <a:schemeClr val="tx2">
+                    <a:lumMod val="65000"/>
+                    <a:lumOff val="35000"/>
+                  </a:schemeClr>
+                </a:solidFill>
+              </a:rPr>
+              <a:t>    35244 = 3524 - 2*4 =&gt; 3524 – 8 = 3516 </a:t>
             </a:r>
           </a:p>
           <a:p>
@@ -8601,8 +8466,15 @@
               <a:buNone/>
             </a:pPr>
             <a:r>
-              <a:rPr lang="pt-BR" dirty="0"/>
-              <a:t>    3544 = 354+5*4 =&gt; 354 + 20= 374 </a:t>
+              <a:rPr lang="pt-BR" dirty="0">
+                <a:solidFill>
+                  <a:schemeClr val="tx2">
+                    <a:lumMod val="65000"/>
+                    <a:lumOff val="35000"/>
+                  </a:schemeClr>
+                </a:solidFill>
+              </a:rPr>
+              <a:t>    3516 = 351-2*6 =&gt; 351-12= 339 </a:t>
             </a:r>
           </a:p>
           <a:p>
@@ -8610,36 +8482,44 @@
               <a:buNone/>
             </a:pPr>
             <a:r>
-              <a:rPr lang="pt-BR" dirty="0"/>
-              <a:t>    374 = 37+5*4 =&gt; 37+20 = 57</a:t>
+              <a:rPr lang="pt-BR" dirty="0">
+                <a:solidFill>
+                  <a:schemeClr val="tx2">
+                    <a:lumMod val="65000"/>
+                    <a:lumOff val="35000"/>
+                  </a:schemeClr>
+                </a:solidFill>
+              </a:rPr>
+              <a:t>    339 = 33-2*9 =&gt; 33-18=&gt; 15</a:t>
             </a:r>
           </a:p>
           <a:p>
             <a:pPr marL="0" indent="0">
               <a:buNone/>
             </a:pPr>
-            <a:r>
-              <a:rPr lang="pt-BR" dirty="0"/>
-              <a:t>    </a:t>
-            </a:r>
+            <a:endParaRPr lang="pt-BR" dirty="0">
+              <a:solidFill>
+                <a:schemeClr val="tx2">
+                  <a:lumMod val="65000"/>
+                  <a:lumOff val="35000"/>
+                </a:schemeClr>
+              </a:solidFill>
+            </a:endParaRPr>
           </a:p>
           <a:p>
             <a:pPr marL="0" indent="0">
               <a:buNone/>
             </a:pPr>
             <a:r>
-              <a:rPr lang="pt-BR" dirty="0"/>
-              <a:t>    </a:t>
-            </a:r>
-            <a:r>
               <a:rPr lang="pt-BR" dirty="0">
                 <a:solidFill>
-                  <a:schemeClr val="accent1">
-                    <a:lumMod val="50000"/>
+                  <a:schemeClr val="tx2">
+                    <a:lumMod val="65000"/>
+                    <a:lumOff val="35000"/>
                   </a:schemeClr>
                 </a:solidFill>
               </a:rPr>
-              <a:t>62762 = 6276+5*2 = 6276+ 10 = 6286</a:t>
+              <a:t>    62762 = 6276-2*2 =&gt; 6276- 4 = 6272</a:t>
             </a:r>
           </a:p>
           <a:p>
@@ -8649,12 +8529,13 @@
             <a:r>
               <a:rPr lang="pt-BR" dirty="0">
                 <a:solidFill>
-                  <a:schemeClr val="accent1">
-                    <a:lumMod val="50000"/>
+                  <a:schemeClr val="tx2">
+                    <a:lumMod val="65000"/>
+                    <a:lumOff val="35000"/>
                   </a:schemeClr>
                 </a:solidFill>
               </a:rPr>
-              <a:t>    6286 = 628+5*6 = 627+30 = 657</a:t>
+              <a:t>    6272 = 627-2*2 =&gt; 627-4 = 623</a:t>
             </a:r>
           </a:p>
           <a:p>
@@ -8664,19 +8545,14 @@
             <a:r>
               <a:rPr lang="pt-BR" dirty="0">
                 <a:solidFill>
-                  <a:schemeClr val="accent1">
-                    <a:lumMod val="50000"/>
+                  <a:schemeClr val="tx2">
+                    <a:lumMod val="65000"/>
+                    <a:lumOff val="35000"/>
                   </a:schemeClr>
                 </a:solidFill>
               </a:rPr>
-              <a:t>    657 = 62+5*3 = 62+15 = 77</a:t>
-            </a:r>
-          </a:p>
-          <a:p>
-            <a:pPr marL="0" indent="0">
-              <a:buNone/>
-            </a:pPr>
-            <a:endParaRPr lang="pt-BR" dirty="0"/>
+              <a:t>    623 = 62-2*3 =&gt; 62-6 = 56 </a:t>
+            </a:r>
           </a:p>
         </p:txBody>
       </p:sp>
@@ -8728,7 +8604,7 @@
     </p:spTree>
     <p:extLst>
       <p:ext uri="{BB962C8B-B14F-4D97-AF65-F5344CB8AC3E}">
-        <p14:creationId xmlns:p14="http://schemas.microsoft.com/office/powerpoint/2010/main" val="3039125657"/>
+        <p14:creationId xmlns:p14="http://schemas.microsoft.com/office/powerpoint/2010/main" val="130668266"/>
       </p:ext>
     </p:extLst>
   </p:cSld>
@@ -8812,14 +8688,14 @@
                   <a:srgbClr val="FF0000"/>
                 </a:solidFill>
               </a:rPr>
-              <a:t>Forma 2</a:t>
+              <a:t>Forma 1</a:t>
             </a:r>
             <a:endParaRPr lang="pt-BR" dirty="0"/>
           </a:p>
           <a:p>
             <a:r>
               <a:rPr lang="pt-BR" dirty="0"/>
-              <a:t>Número inicial mais 5 vezes o ultimo algarismo.</a:t>
+              <a:t>Número inicial menos 2 vezes o ultimo algarismo.</a:t>
             </a:r>
           </a:p>
           <a:p>
@@ -8828,7 +8704,7 @@
             </a:pPr>
             <a:r>
               <a:rPr lang="pt-BR" dirty="0"/>
-              <a:t>    35244 = 3524 + 5*</a:t>
+              <a:t>    35244 = 3524 - 2*</a:t>
             </a:r>
             <a:r>
               <a:rPr lang="pt-BR" dirty="0">
@@ -8840,7 +8716,7 @@
             </a:r>
             <a:r>
               <a:rPr lang="pt-BR" dirty="0"/>
-              <a:t> =&gt; 3524 + 20 = 3544</a:t>
+              <a:t> =&gt; 3524 – 8 = 3516 </a:t>
             </a:r>
           </a:p>
           <a:p>
@@ -8849,7 +8725,7 @@
             </a:pPr>
             <a:r>
               <a:rPr lang="pt-BR" dirty="0"/>
-              <a:t>    3544 = 354+5*</a:t>
+              <a:t>    3516 = 351-2*</a:t>
             </a:r>
             <a:r>
               <a:rPr lang="pt-BR" dirty="0">
@@ -8857,11 +8733,22 @@
                   <a:srgbClr val="FF0000"/>
                 </a:solidFill>
               </a:rPr>
-              <a:t>4 </a:t>
+              <a:t>6 </a:t>
+            </a:r>
+            <a:r>
+              <a:rPr lang="pt-BR" dirty="0">
+                <a:solidFill>
+                  <a:schemeClr val="tx2">
+                    <a:lumMod val="65000"/>
+                    <a:lumOff val="35000"/>
+                  </a:schemeClr>
+                </a:solidFill>
+              </a:rPr>
+              <a:t>=&gt; 351-12</a:t>
             </a:r>
             <a:r>
               <a:rPr lang="pt-BR" dirty="0"/>
-              <a:t>=&gt; 354 + 20= 374 </a:t>
+              <a:t>= 339 </a:t>
             </a:r>
           </a:p>
           <a:p>
@@ -8870,7 +8757,7 @@
             </a:pPr>
             <a:r>
               <a:rPr lang="pt-BR" dirty="0"/>
-              <a:t>    374 = 37+5*</a:t>
+              <a:t>    339 = 33-2*</a:t>
             </a:r>
             <a:r>
               <a:rPr lang="pt-BR" dirty="0">
@@ -8878,11 +8765,11 @@
                   <a:srgbClr val="FF0000"/>
                 </a:solidFill>
               </a:rPr>
-              <a:t>4</a:t>
+              <a:t>9</a:t>
             </a:r>
             <a:r>
               <a:rPr lang="pt-BR" dirty="0"/>
-              <a:t> =&gt; 37+20 = 57 </a:t>
+              <a:t> =&gt; 33-18=&gt; 15 </a:t>
             </a:r>
             <a:r>
               <a:rPr lang="pt-BR" dirty="0">
@@ -8908,16 +8795,12 @@
               </a:rPr>
               <a:t> 7</a:t>
             </a:r>
-            <a:endParaRPr lang="pt-BR" dirty="0"/>
           </a:p>
           <a:p>
             <a:pPr marL="0" indent="0">
               <a:buNone/>
             </a:pPr>
-            <a:r>
-              <a:rPr lang="pt-BR" dirty="0"/>
-              <a:t>    </a:t>
-            </a:r>
+            <a:endParaRPr lang="pt-BR" dirty="0"/>
           </a:p>
           <a:p>
             <a:pPr marL="0" indent="0">
@@ -8925,7 +8808,7 @@
             </a:pPr>
             <a:r>
               <a:rPr lang="pt-BR" dirty="0"/>
-              <a:t>    62762 = 6276+5*</a:t>
+              <a:t>    62762 = 6276-2*</a:t>
             </a:r>
             <a:r>
               <a:rPr lang="pt-BR" dirty="0">
@@ -8937,7 +8820,7 @@
             </a:r>
             <a:r>
               <a:rPr lang="pt-BR" dirty="0"/>
-              <a:t> = 6276+ 10 = 6286</a:t>
+              <a:t> =&gt; 6276- 4 = 6272</a:t>
             </a:r>
           </a:p>
           <a:p>
@@ -8946,7 +8829,7 @@
             </a:pPr>
             <a:r>
               <a:rPr lang="pt-BR" dirty="0"/>
-              <a:t>    6286 = 628+5*</a:t>
+              <a:t>    6272 = 627-2*</a:t>
             </a:r>
             <a:r>
               <a:rPr lang="pt-BR" dirty="0">
@@ -8954,11 +8837,11 @@
                   <a:srgbClr val="FF0000"/>
                 </a:solidFill>
               </a:rPr>
-              <a:t>6</a:t>
+              <a:t>2</a:t>
             </a:r>
             <a:r>
               <a:rPr lang="pt-BR" dirty="0"/>
-              <a:t> = 627+30 = 657</a:t>
+              <a:t> =&gt; 627-4 = 623</a:t>
             </a:r>
           </a:p>
           <a:p>
@@ -8967,7 +8850,7 @@
             </a:pPr>
             <a:r>
               <a:rPr lang="pt-BR" dirty="0"/>
-              <a:t>    657 = 62+5*</a:t>
+              <a:t>    623 = 62-2*</a:t>
             </a:r>
             <a:r>
               <a:rPr lang="pt-BR" dirty="0">
@@ -8979,7 +8862,7 @@
             </a:r>
             <a:r>
               <a:rPr lang="pt-BR" dirty="0"/>
-              <a:t> = 62+15 = 77 </a:t>
+              <a:t> =&gt; 62-6 = 56 </a:t>
             </a:r>
             <a:r>
               <a:rPr lang="pt-BR" dirty="0">
@@ -9005,12 +8888,6 @@
               </a:rPr>
               <a:t> 7</a:t>
             </a:r>
-          </a:p>
-          <a:p>
-            <a:pPr marL="0" indent="0">
-              <a:buNone/>
-            </a:pPr>
-            <a:endParaRPr lang="pt-BR" dirty="0"/>
           </a:p>
           <a:p>
             <a:pPr marL="0" indent="0">
@@ -9068,7 +8945,7 @@
     </p:spTree>
     <p:extLst>
       <p:ext uri="{BB962C8B-B14F-4D97-AF65-F5344CB8AC3E}">
-        <p14:creationId xmlns:p14="http://schemas.microsoft.com/office/powerpoint/2010/main" val="333029038"/>
+        <p14:creationId xmlns:p14="http://schemas.microsoft.com/office/powerpoint/2010/main" val="2455037870"/>
       </p:ext>
     </p:extLst>
   </p:cSld>
@@ -9124,7 +9001,7 @@
           <a:p>
             <a:r>
               <a:rPr lang="pt-BR" dirty="0"/>
-              <a:t>Divisibilidade por 11</a:t>
+              <a:t>Divisibilidade por 7</a:t>
             </a:r>
           </a:p>
         </p:txBody>
@@ -9142,335 +9019,122 @@
         <p:spPr/>
         <p:txBody>
           <a:bodyPr>
-            <a:normAutofit lnSpcReduction="10000"/>
+            <a:normAutofit fontScale="92500" lnSpcReduction="20000"/>
           </a:bodyPr>
           <a:lstStyle/>
           <a:p>
             <a:r>
-              <a:rPr lang="pt-BR" dirty="0"/>
-              <a:t>Some todos os algarismos na posição par e subtraia dos algarismos na posição ímpar</a:t>
-            </a:r>
-          </a:p>
-          <a:p>
-            <a:r>
-              <a:rPr lang="pt-BR" dirty="0"/>
-              <a:t>Ex.: 14641 e 8647</a:t>
-            </a:r>
-          </a:p>
-          <a:p>
-            <a:pPr marL="0" lvl="1" indent="0">
-              <a:spcBef>
-                <a:spcPts val="1400"/>
-              </a:spcBef>
-              <a:buNone/>
-            </a:pPr>
-            <a:r>
-              <a:rPr lang="pt-BR" dirty="0">
+              <a:rPr lang="pt-BR" b="1" dirty="0">
                 <a:solidFill>
                   <a:srgbClr val="FF0000"/>
                 </a:solidFill>
               </a:rPr>
-              <a:t> </a:t>
-            </a:r>
-            <a:r>
-              <a:rPr lang="pt-BR" sz="2800" dirty="0">
+              <a:t>Forma 2</a:t>
+            </a:r>
+            <a:endParaRPr lang="pt-BR" dirty="0"/>
+          </a:p>
+          <a:p>
+            <a:r>
+              <a:rPr lang="pt-BR" dirty="0"/>
+              <a:t>Número inicial mais 5 vezes o ultimo algarismo.</a:t>
+            </a:r>
+          </a:p>
+          <a:p>
+            <a:pPr marL="0" indent="0">
+              <a:buNone/>
+            </a:pPr>
+            <a:r>
+              <a:rPr lang="pt-BR" dirty="0"/>
+              <a:t>    35244 = 3524 + 5*4 =&gt; 3524 + 20 = 3544</a:t>
+            </a:r>
+          </a:p>
+          <a:p>
+            <a:pPr marL="0" indent="0">
+              <a:buNone/>
+            </a:pPr>
+            <a:r>
+              <a:rPr lang="pt-BR" dirty="0"/>
+              <a:t>    3544 = 354+5*4 =&gt; 354 + 20= 374 </a:t>
+            </a:r>
+          </a:p>
+          <a:p>
+            <a:pPr marL="0" indent="0">
+              <a:buNone/>
+            </a:pPr>
+            <a:r>
+              <a:rPr lang="pt-BR" dirty="0"/>
+              <a:t>    374 = 37+5*4 =&gt; 37+20 = 57</a:t>
+            </a:r>
+          </a:p>
+          <a:p>
+            <a:pPr marL="0" indent="0">
+              <a:buNone/>
+            </a:pPr>
+            <a:r>
+              <a:rPr lang="pt-BR" dirty="0"/>
+              <a:t>    </a:t>
+            </a:r>
+          </a:p>
+          <a:p>
+            <a:pPr marL="0" indent="0">
+              <a:buNone/>
+            </a:pPr>
+            <a:r>
+              <a:rPr lang="pt-BR" dirty="0"/>
+              <a:t>    </a:t>
+            </a:r>
+            <a:r>
+              <a:rPr lang="pt-BR" dirty="0">
                 <a:solidFill>
-                  <a:schemeClr val="tx1">
-                    <a:lumMod val="75000"/>
+                  <a:schemeClr val="accent1">
+                    <a:lumMod val="50000"/>
                   </a:schemeClr>
                 </a:solidFill>
               </a:rPr>
-              <a:t>1</a:t>
-            </a:r>
-            <a:r>
-              <a:rPr lang="pt-BR" sz="2800" dirty="0">
+              <a:t>62762 = 6276+5*2 = 6276+ 10 = 6286</a:t>
+            </a:r>
+          </a:p>
+          <a:p>
+            <a:pPr marL="0" indent="0">
+              <a:buNone/>
+            </a:pPr>
+            <a:r>
+              <a:rPr lang="pt-BR" dirty="0">
                 <a:solidFill>
-                  <a:srgbClr val="FF0000"/>
-                </a:solidFill>
-              </a:rPr>
-              <a:t>4</a:t>
-            </a:r>
-            <a:r>
-              <a:rPr lang="pt-BR" sz="2800" dirty="0">
-                <a:solidFill>
-                  <a:schemeClr val="tx1">
-                    <a:lumMod val="75000"/>
+                  <a:schemeClr val="accent1">
+                    <a:lumMod val="50000"/>
                   </a:schemeClr>
                 </a:solidFill>
               </a:rPr>
-              <a:t>6</a:t>
-            </a:r>
-            <a:r>
-              <a:rPr lang="pt-BR" sz="2800" dirty="0">
+              <a:t>    6286 = 628+5*6 = 627+30 = 657</a:t>
+            </a:r>
+          </a:p>
+          <a:p>
+            <a:pPr marL="0" indent="0">
+              <a:buNone/>
+            </a:pPr>
+            <a:r>
+              <a:rPr lang="pt-BR" dirty="0">
                 <a:solidFill>
-                  <a:srgbClr val="FF0000"/>
-                </a:solidFill>
-              </a:rPr>
-              <a:t>4</a:t>
-            </a:r>
-            <a:r>
-              <a:rPr lang="pt-BR" sz="2800" dirty="0">
-                <a:solidFill>
-                  <a:schemeClr val="tx1">
-                    <a:lumMod val="75000"/>
+                  <a:schemeClr val="accent1">
+                    <a:lumMod val="50000"/>
                   </a:schemeClr>
                 </a:solidFill>
               </a:rPr>
-              <a:t>1 = </a:t>
-            </a:r>
-            <a:r>
-              <a:rPr lang="pt-BR" sz="2800" dirty="0"/>
-              <a:t>4+4 = 8     8 – 8 = 0 </a:t>
-            </a:r>
-            <a:endParaRPr lang="pt-BR" sz="2800" dirty="0">
-              <a:solidFill>
-                <a:schemeClr val="tx1">
-                  <a:lumMod val="75000"/>
-                </a:schemeClr>
-              </a:solidFill>
-            </a:endParaRPr>
-          </a:p>
-          <a:p>
-            <a:pPr marL="0" lvl="1" indent="0">
-              <a:spcBef>
-                <a:spcPts val="1400"/>
-              </a:spcBef>
-              <a:buNone/>
-            </a:pPr>
-            <a:r>
-              <a:rPr lang="pt-BR" dirty="0">
-                <a:solidFill>
-                  <a:schemeClr val="tx1">
-                    <a:lumMod val="75000"/>
-                  </a:schemeClr>
-                </a:solidFill>
-              </a:rPr>
-              <a:t>	 </a:t>
-            </a:r>
-            <a:r>
-              <a:rPr lang="pt-BR" sz="2800" dirty="0">
-                <a:solidFill>
-                  <a:schemeClr val="tx1">
-                    <a:lumMod val="75000"/>
-                  </a:schemeClr>
-                </a:solidFill>
-              </a:rPr>
-              <a:t>1+6+1 = 8      </a:t>
-            </a:r>
-            <a:r>
-              <a:rPr lang="pt-BR" dirty="0">
-                <a:solidFill>
-                  <a:srgbClr val="FF0000"/>
-                </a:solidFill>
-              </a:rPr>
-              <a:t>14641 é divisível por 11</a:t>
+              <a:t>    657 = 62+5*3 = 62+15 = 77</a:t>
             </a:r>
           </a:p>
           <a:p>
             <a:pPr marL="0" indent="0">
               <a:buNone/>
             </a:pPr>
-            <a:endParaRPr lang="pt-BR" dirty="0">
-              <a:solidFill>
-                <a:schemeClr val="tx1">
-                  <a:lumMod val="75000"/>
-                </a:schemeClr>
-              </a:solidFill>
-            </a:endParaRPr>
-          </a:p>
-          <a:p>
-            <a:pPr marL="0" indent="0">
-              <a:buNone/>
-            </a:pPr>
-            <a:r>
-              <a:rPr lang="pt-BR" dirty="0">
-                <a:solidFill>
-                  <a:schemeClr val="tx1">
-                    <a:lumMod val="75000"/>
-                  </a:schemeClr>
-                </a:solidFill>
-              </a:rPr>
-              <a:t> 8</a:t>
-            </a:r>
-            <a:r>
-              <a:rPr lang="pt-BR" dirty="0">
-                <a:solidFill>
-                  <a:srgbClr val="FF0000"/>
-                </a:solidFill>
-              </a:rPr>
-              <a:t>6</a:t>
-            </a:r>
-            <a:r>
-              <a:rPr lang="pt-BR" dirty="0">
-                <a:solidFill>
-                  <a:schemeClr val="tx1">
-                    <a:lumMod val="75000"/>
-                  </a:schemeClr>
-                </a:solidFill>
-              </a:rPr>
-              <a:t>4</a:t>
-            </a:r>
-            <a:r>
-              <a:rPr lang="pt-BR" dirty="0">
-                <a:solidFill>
-                  <a:srgbClr val="FF0000"/>
-                </a:solidFill>
-              </a:rPr>
-              <a:t>7</a:t>
-            </a:r>
-            <a:r>
-              <a:rPr lang="pt-BR" dirty="0">
-                <a:solidFill>
-                  <a:schemeClr val="tx1">
-                    <a:lumMod val="75000"/>
-                  </a:schemeClr>
-                </a:solidFill>
-              </a:rPr>
-              <a:t> = 6+7 = 13     13-12 = 1 </a:t>
-            </a:r>
-          </a:p>
-          <a:p>
-            <a:pPr marL="0" indent="0">
-              <a:buNone/>
-            </a:pPr>
-            <a:r>
-              <a:rPr lang="pt-BR" sz="2400" dirty="0">
-                <a:solidFill>
-                  <a:schemeClr val="tx1">
-                    <a:lumMod val="75000"/>
-                  </a:schemeClr>
-                </a:solidFill>
-              </a:rPr>
-              <a:t>         </a:t>
-            </a:r>
-            <a:r>
-              <a:rPr lang="pt-BR" dirty="0">
-                <a:solidFill>
-                  <a:schemeClr val="tx1">
-                    <a:lumMod val="75000"/>
-                  </a:schemeClr>
-                </a:solidFill>
-              </a:rPr>
-              <a:t>8+4 = 12       </a:t>
-            </a:r>
-            <a:r>
-              <a:rPr lang="pt-BR" sz="2400" dirty="0">
-                <a:solidFill>
-                  <a:srgbClr val="FF0000"/>
-                </a:solidFill>
-              </a:rPr>
-              <a:t>8647 não é </a:t>
-            </a:r>
-            <a:r>
-              <a:rPr lang="pt-BR" sz="2400" dirty="0" err="1">
-                <a:solidFill>
-                  <a:srgbClr val="FF0000"/>
-                </a:solidFill>
-              </a:rPr>
-              <a:t>div</a:t>
-            </a:r>
-            <a:r>
-              <a:rPr lang="pt-BR" sz="2400" dirty="0">
-                <a:solidFill>
-                  <a:srgbClr val="FF0000"/>
-                </a:solidFill>
-              </a:rPr>
-              <a:t> por 11 </a:t>
-            </a:r>
-          </a:p>
-          <a:p>
-            <a:pPr marL="0" indent="0">
-              <a:buNone/>
-            </a:pPr>
-            <a:endParaRPr lang="pt-BR" dirty="0">
-              <a:solidFill>
-                <a:schemeClr val="tx1">
-                  <a:lumMod val="75000"/>
-                </a:schemeClr>
-              </a:solidFill>
-            </a:endParaRPr>
-          </a:p>
-        </p:txBody>
-      </p:sp>
-      <p:sp>
-        <p:nvSpPr>
-          <p:cNvPr id="4" name="Chave direita 3"/>
-          <p:cNvSpPr/>
-          <p:nvPr/>
-        </p:nvSpPr>
-        <p:spPr>
-          <a:xfrm>
-            <a:off x="4067944" y="3162672"/>
-            <a:ext cx="216024" cy="914400"/>
-          </a:xfrm>
-          <a:prstGeom prst="rightBrace">
-            <a:avLst/>
-          </a:prstGeom>
-        </p:spPr>
-        <p:style>
-          <a:lnRef idx="1">
-            <a:schemeClr val="accent1"/>
-          </a:lnRef>
-          <a:fillRef idx="0">
-            <a:schemeClr val="accent1"/>
-          </a:fillRef>
-          <a:effectRef idx="0">
-            <a:schemeClr val="accent1"/>
-          </a:effectRef>
-          <a:fontRef idx="minor">
-            <a:schemeClr val="tx1"/>
-          </a:fontRef>
-        </p:style>
-        <p:txBody>
-          <a:bodyPr rtlCol="0" anchor="ctr"/>
-          <a:lstStyle/>
-          <a:p>
-            <a:pPr algn="ctr"/>
-            <a:endParaRPr lang="pt-BR"/>
-          </a:p>
-        </p:txBody>
-      </p:sp>
-      <p:sp>
-        <p:nvSpPr>
-          <p:cNvPr id="5" name="Chave direita 4"/>
-          <p:cNvSpPr/>
-          <p:nvPr/>
-        </p:nvSpPr>
-        <p:spPr>
-          <a:xfrm>
-            <a:off x="3995936" y="4823408"/>
-            <a:ext cx="396044" cy="936104"/>
-          </a:xfrm>
-          <a:prstGeom prst="rightBrace">
-            <a:avLst/>
-          </a:prstGeom>
-        </p:spPr>
-        <p:style>
-          <a:lnRef idx="1">
-            <a:schemeClr val="accent1"/>
-          </a:lnRef>
-          <a:fillRef idx="0">
-            <a:schemeClr val="accent1"/>
-          </a:fillRef>
-          <a:effectRef idx="0">
-            <a:schemeClr val="accent1"/>
-          </a:effectRef>
-          <a:fontRef idx="minor">
-            <a:schemeClr val="tx1"/>
-          </a:fontRef>
-        </p:style>
-        <p:txBody>
-          <a:bodyPr rtlCol="0" anchor="ctr"/>
-          <a:lstStyle/>
-          <a:p>
-            <a:pPr algn="ctr"/>
-            <a:endParaRPr lang="pt-BR"/>
-          </a:p>
-        </p:txBody>
-      </p:sp>
-      <p:sp>
-        <p:nvSpPr>
-          <p:cNvPr id="6" name="Espaço Reservado para Rodapé 5"/>
+            <a:endParaRPr lang="pt-BR" dirty="0"/>
+          </a:p>
+        </p:txBody>
+      </p:sp>
+      <p:sp>
+        <p:nvSpPr>
+          <p:cNvPr id="4" name="Espaço Reservado para Rodapé 3"/>
           <p:cNvSpPr>
             <a:spLocks noGrp="1"/>
           </p:cNvSpPr>
@@ -9492,7 +9156,7 @@
       </p:sp>
       <p:sp>
         <p:nvSpPr>
-          <p:cNvPr id="7" name="Espaço Reservado para Número de Slide 6"/>
+          <p:cNvPr id="5" name="Espaço Reservado para Número de Slide 4"/>
           <p:cNvSpPr>
             <a:spLocks noGrp="1"/>
           </p:cNvSpPr>
@@ -9516,7 +9180,7 @@
     </p:spTree>
     <p:extLst>
       <p:ext uri="{BB962C8B-B14F-4D97-AF65-F5344CB8AC3E}">
-        <p14:creationId xmlns:p14="http://schemas.microsoft.com/office/powerpoint/2010/main" val="342527486"/>
+        <p14:creationId xmlns:p14="http://schemas.microsoft.com/office/powerpoint/2010/main" val="3039125657"/>
       </p:ext>
     </p:extLst>
   </p:cSld>
@@ -9572,7 +9236,7 @@
           <a:p>
             <a:r>
               <a:rPr lang="pt-BR" dirty="0"/>
-              <a:t>Números Primos</a:t>
+              <a:t>Divisibilidade por 7</a:t>
             </a:r>
           </a:p>
         </p:txBody>
@@ -9589,24 +9253,221 @@
         </p:nvSpPr>
         <p:spPr/>
         <p:txBody>
-          <a:bodyPr/>
-          <a:lstStyle/>
+          <a:bodyPr>
+            <a:normAutofit fontScale="92500" lnSpcReduction="20000"/>
+          </a:bodyPr>
+          <a:lstStyle/>
+          <a:p>
+            <a:r>
+              <a:rPr lang="pt-BR" b="1" dirty="0">
+                <a:solidFill>
+                  <a:srgbClr val="FF0000"/>
+                </a:solidFill>
+              </a:rPr>
+              <a:t>Forma 2</a:t>
+            </a:r>
+            <a:endParaRPr lang="pt-BR" dirty="0"/>
+          </a:p>
           <a:p>
             <a:r>
               <a:rPr lang="pt-BR" dirty="0"/>
-              <a:t>Um número é considerado primo quando este número tem apenas dois divisores: 1 e ele próprio.</a:t>
-            </a:r>
-          </a:p>
-          <a:p>
+              <a:t>Número inicial mais 5 vezes o ultimo algarismo.</a:t>
+            </a:r>
+          </a:p>
+          <a:p>
+            <a:pPr marL="0" indent="0">
+              <a:buNone/>
+            </a:pPr>
+            <a:r>
+              <a:rPr lang="pt-BR" dirty="0"/>
+              <a:t>    35244 = 3524 + 5*</a:t>
+            </a:r>
+            <a:r>
+              <a:rPr lang="pt-BR" dirty="0">
+                <a:solidFill>
+                  <a:srgbClr val="FF0000"/>
+                </a:solidFill>
+              </a:rPr>
+              <a:t>4</a:t>
+            </a:r>
+            <a:r>
+              <a:rPr lang="pt-BR" dirty="0"/>
+              <a:t> =&gt; 3524 + 20 = 3544</a:t>
+            </a:r>
+          </a:p>
+          <a:p>
+            <a:pPr marL="0" indent="0">
+              <a:buNone/>
+            </a:pPr>
+            <a:r>
+              <a:rPr lang="pt-BR" dirty="0"/>
+              <a:t>    3544 = 354+5*</a:t>
+            </a:r>
+            <a:r>
+              <a:rPr lang="pt-BR" dirty="0">
+                <a:solidFill>
+                  <a:srgbClr val="FF0000"/>
+                </a:solidFill>
+              </a:rPr>
+              <a:t>4 </a:t>
+            </a:r>
+            <a:r>
+              <a:rPr lang="pt-BR" dirty="0"/>
+              <a:t>=&gt; 354 + 20= 374 </a:t>
+            </a:r>
+          </a:p>
+          <a:p>
+            <a:pPr marL="0" indent="0">
+              <a:buNone/>
+            </a:pPr>
+            <a:r>
+              <a:rPr lang="pt-BR" dirty="0"/>
+              <a:t>    374 = 37+5*</a:t>
+            </a:r>
+            <a:r>
+              <a:rPr lang="pt-BR" dirty="0">
+                <a:solidFill>
+                  <a:srgbClr val="FF0000"/>
+                </a:solidFill>
+              </a:rPr>
+              <a:t>4</a:t>
+            </a:r>
+            <a:r>
+              <a:rPr lang="pt-BR" dirty="0"/>
+              <a:t> =&gt; 37+20 = 57 </a:t>
+            </a:r>
+            <a:r>
+              <a:rPr lang="pt-BR" dirty="0">
+                <a:solidFill>
+                  <a:srgbClr val="FF0000"/>
+                </a:solidFill>
+              </a:rPr>
+              <a:t>Não é </a:t>
+            </a:r>
+            <a:r>
+              <a:rPr lang="pt-BR" dirty="0" err="1">
+                <a:solidFill>
+                  <a:srgbClr val="FF0000"/>
+                </a:solidFill>
+              </a:rPr>
+              <a:t>div</a:t>
+            </a:r>
+            <a:r>
+              <a:rPr lang="pt-BR" dirty="0">
+                <a:solidFill>
+                  <a:srgbClr val="FF0000"/>
+                </a:solidFill>
+              </a:rPr>
+              <a:t> 7</a:t>
+            </a:r>
             <a:endParaRPr lang="pt-BR" dirty="0"/>
           </a:p>
           <a:p>
+            <a:pPr marL="0" indent="0">
+              <a:buNone/>
+            </a:pPr>
             <a:r>
               <a:rPr lang="pt-BR" dirty="0"/>
-              <a:t>2, 3, 5, 7,11,...</a:t>
-            </a:r>
-          </a:p>
-          <a:p>
+              <a:t>    </a:t>
+            </a:r>
+          </a:p>
+          <a:p>
+            <a:pPr marL="0" indent="0">
+              <a:buNone/>
+            </a:pPr>
+            <a:r>
+              <a:rPr lang="pt-BR" dirty="0"/>
+              <a:t>    62762 = 6276+5*</a:t>
+            </a:r>
+            <a:r>
+              <a:rPr lang="pt-BR" dirty="0">
+                <a:solidFill>
+                  <a:srgbClr val="FF0000"/>
+                </a:solidFill>
+              </a:rPr>
+              <a:t>2</a:t>
+            </a:r>
+            <a:r>
+              <a:rPr lang="pt-BR" dirty="0"/>
+              <a:t> = 6276+ 10 = 6286</a:t>
+            </a:r>
+          </a:p>
+          <a:p>
+            <a:pPr marL="0" indent="0">
+              <a:buNone/>
+            </a:pPr>
+            <a:r>
+              <a:rPr lang="pt-BR" dirty="0"/>
+              <a:t>    6286 = 628+5*</a:t>
+            </a:r>
+            <a:r>
+              <a:rPr lang="pt-BR" dirty="0">
+                <a:solidFill>
+                  <a:srgbClr val="FF0000"/>
+                </a:solidFill>
+              </a:rPr>
+              <a:t>6</a:t>
+            </a:r>
+            <a:r>
+              <a:rPr lang="pt-BR" dirty="0"/>
+              <a:t> = 627+30 = 657</a:t>
+            </a:r>
+          </a:p>
+          <a:p>
+            <a:pPr marL="0" indent="0">
+              <a:buNone/>
+            </a:pPr>
+            <a:r>
+              <a:rPr lang="pt-BR" dirty="0"/>
+              <a:t>    657 = 62+5*</a:t>
+            </a:r>
+            <a:r>
+              <a:rPr lang="pt-BR" dirty="0">
+                <a:solidFill>
+                  <a:srgbClr val="FF0000"/>
+                </a:solidFill>
+              </a:rPr>
+              <a:t>3</a:t>
+            </a:r>
+            <a:r>
+              <a:rPr lang="pt-BR" dirty="0"/>
+              <a:t> = 62+15 = 77 </a:t>
+            </a:r>
+            <a:r>
+              <a:rPr lang="pt-BR" dirty="0">
+                <a:solidFill>
+                  <a:srgbClr val="FF0000"/>
+                </a:solidFill>
+              </a:rPr>
+              <a:t>É </a:t>
+            </a:r>
+            <a:r>
+              <a:rPr lang="pt-BR" dirty="0" err="1">
+                <a:solidFill>
+                  <a:srgbClr val="FF0000"/>
+                </a:solidFill>
+              </a:rPr>
+              <a:t>div</a:t>
+            </a:r>
+            <a:r>
+              <a:rPr lang="pt-BR" dirty="0">
+                <a:solidFill>
+                  <a:srgbClr val="FF0000"/>
+                </a:solidFill>
+              </a:rPr>
+              <a:t> 7</a:t>
+            </a:r>
+          </a:p>
+          <a:p>
+            <a:pPr marL="0" indent="0">
+              <a:buNone/>
+            </a:pPr>
+            <a:endParaRPr lang="pt-BR" dirty="0"/>
+          </a:p>
+          <a:p>
+            <a:pPr marL="0" indent="0">
+              <a:buNone/>
+            </a:pPr>
             <a:endParaRPr lang="pt-BR" dirty="0"/>
           </a:p>
         </p:txBody>
@@ -9659,7 +9520,7 @@
     </p:spTree>
     <p:extLst>
       <p:ext uri="{BB962C8B-B14F-4D97-AF65-F5344CB8AC3E}">
-        <p14:creationId xmlns:p14="http://schemas.microsoft.com/office/powerpoint/2010/main" val="3377603359"/>
+        <p14:creationId xmlns:p14="http://schemas.microsoft.com/office/powerpoint/2010/main" val="333029038"/>
       </p:ext>
     </p:extLst>
   </p:cSld>
@@ -9700,6 +9561,1906 @@
       </p:grpSpPr>
       <p:sp>
         <p:nvSpPr>
+          <p:cNvPr id="2" name="Título 1">
+            <a:extLst>
+              <a:ext uri="{FF2B5EF4-FFF2-40B4-BE49-F238E27FC236}">
+                <a16:creationId xmlns:a16="http://schemas.microsoft.com/office/drawing/2014/main" id="{A187FA33-3CB1-4778-9553-D5B22C50B67B}"/>
+              </a:ext>
+            </a:extLst>
+          </p:cNvPr>
+          <p:cNvSpPr>
+            <a:spLocks noGrp="1"/>
+          </p:cNvSpPr>
+          <p:nvPr>
+            <p:ph type="title"/>
+          </p:nvPr>
+        </p:nvSpPr>
+        <p:spPr/>
+        <p:txBody>
+          <a:bodyPr/>
+          <a:lstStyle/>
+          <a:p>
+            <a:r>
+              <a:rPr lang="pt-BR" dirty="0"/>
+              <a:t>Divisibilidade por 8</a:t>
+            </a:r>
+          </a:p>
+        </p:txBody>
+      </p:sp>
+      <p:sp>
+        <p:nvSpPr>
+          <p:cNvPr id="3" name="Espaço Reservado para Conteúdo 2">
+            <a:extLst>
+              <a:ext uri="{FF2B5EF4-FFF2-40B4-BE49-F238E27FC236}">
+                <a16:creationId xmlns:a16="http://schemas.microsoft.com/office/drawing/2014/main" id="{CF651102-FD84-4138-9A87-4392003369B6}"/>
+              </a:ext>
+            </a:extLst>
+          </p:cNvPr>
+          <p:cNvSpPr>
+            <a:spLocks noGrp="1"/>
+          </p:cNvSpPr>
+          <p:nvPr>
+            <p:ph idx="1"/>
+          </p:nvPr>
+        </p:nvSpPr>
+        <p:spPr/>
+        <p:txBody>
+          <a:bodyPr/>
+          <a:lstStyle/>
+          <a:p>
+            <a:r>
+              <a:rPr lang="pt-BR" b="0" i="0" dirty="0">
+                <a:solidFill>
+                  <a:schemeClr val="accent1">
+                    <a:lumMod val="50000"/>
+                  </a:schemeClr>
+                </a:solidFill>
+                <a:effectLst/>
+              </a:rPr>
+              <a:t>Os números que são divisíveis por 8 são todos aquelas que possuem final 000 ou que os três últimos algarismos sejam divisíveis por 8.</a:t>
+            </a:r>
+          </a:p>
+          <a:p>
+            <a:r>
+              <a:rPr lang="pt-BR" b="0" i="0" dirty="0">
+                <a:solidFill>
+                  <a:schemeClr val="accent1">
+                    <a:lumMod val="50000"/>
+                  </a:schemeClr>
+                </a:solidFill>
+                <a:effectLst/>
+              </a:rPr>
+              <a:t>Por exemplo:</a:t>
+            </a:r>
+          </a:p>
+          <a:p>
+            <a:r>
+              <a:rPr lang="pt-BR" b="0" i="0" dirty="0">
+                <a:solidFill>
+                  <a:schemeClr val="accent1">
+                    <a:lumMod val="50000"/>
+                  </a:schemeClr>
+                </a:solidFill>
+                <a:effectLst/>
+                <a:latin typeface="UOLText"/>
+              </a:rPr>
+              <a:t>2000 </a:t>
+            </a:r>
+          </a:p>
+          <a:p>
+            <a:r>
+              <a:rPr lang="pt-BR" b="0" i="0" dirty="0">
+                <a:solidFill>
+                  <a:schemeClr val="accent1">
+                    <a:lumMod val="50000"/>
+                  </a:schemeClr>
+                </a:solidFill>
+                <a:effectLst/>
+                <a:latin typeface="UOLText"/>
+              </a:rPr>
+              <a:t>43104</a:t>
+            </a:r>
+          </a:p>
+          <a:p>
+            <a:r>
+              <a:rPr lang="pt-BR" b="0" i="0" dirty="0">
+                <a:solidFill>
+                  <a:schemeClr val="accent1">
+                    <a:lumMod val="50000"/>
+                  </a:schemeClr>
+                </a:solidFill>
+                <a:effectLst/>
+                <a:latin typeface="UOLText"/>
+              </a:rPr>
+              <a:t>12445</a:t>
+            </a:r>
+            <a:endParaRPr lang="pt-BR" dirty="0">
+              <a:solidFill>
+                <a:schemeClr val="accent1">
+                  <a:lumMod val="50000"/>
+                </a:schemeClr>
+              </a:solidFill>
+            </a:endParaRPr>
+          </a:p>
+        </p:txBody>
+      </p:sp>
+      <p:sp>
+        <p:nvSpPr>
+          <p:cNvPr id="4" name="Espaço Reservado para Rodapé 3">
+            <a:extLst>
+              <a:ext uri="{FF2B5EF4-FFF2-40B4-BE49-F238E27FC236}">
+                <a16:creationId xmlns:a16="http://schemas.microsoft.com/office/drawing/2014/main" id="{73FB2DE8-36CB-4136-8615-089A5DC9A87B}"/>
+              </a:ext>
+            </a:extLst>
+          </p:cNvPr>
+          <p:cNvSpPr>
+            <a:spLocks noGrp="1"/>
+          </p:cNvSpPr>
+          <p:nvPr>
+            <p:ph type="ftr" sz="quarter" idx="11"/>
+          </p:nvPr>
+        </p:nvSpPr>
+        <p:spPr/>
+        <p:txBody>
+          <a:bodyPr/>
+          <a:lstStyle/>
+          <a:p>
+            <a:r>
+              <a:rPr lang="pt-BR"/>
+              <a:t>Eric Sampaio</a:t>
+            </a:r>
+          </a:p>
+        </p:txBody>
+      </p:sp>
+      <p:sp>
+        <p:nvSpPr>
+          <p:cNvPr id="5" name="Espaço Reservado para Número de Slide 4">
+            <a:extLst>
+              <a:ext uri="{FF2B5EF4-FFF2-40B4-BE49-F238E27FC236}">
+                <a16:creationId xmlns:a16="http://schemas.microsoft.com/office/drawing/2014/main" id="{F071BE45-875E-400E-9866-DEEE2FAF2F9E}"/>
+              </a:ext>
+            </a:extLst>
+          </p:cNvPr>
+          <p:cNvSpPr>
+            <a:spLocks noGrp="1"/>
+          </p:cNvSpPr>
+          <p:nvPr>
+            <p:ph type="sldNum" sz="quarter" idx="12"/>
+          </p:nvPr>
+        </p:nvSpPr>
+        <p:spPr/>
+        <p:txBody>
+          <a:bodyPr/>
+          <a:lstStyle/>
+          <a:p>
+            <a:fld id="{2119D8CF-8DEC-4D9F-84EE-ADF04DFF3391}" type="slidenum">
+              <a:rPr lang="pt-BR" smtClean="0"/>
+              <a:t>16</a:t>
+            </a:fld>
+            <a:endParaRPr lang="pt-BR"/>
+          </a:p>
+        </p:txBody>
+      </p:sp>
+    </p:spTree>
+    <p:extLst>
+      <p:ext uri="{BB962C8B-B14F-4D97-AF65-F5344CB8AC3E}">
+        <p14:creationId xmlns:p14="http://schemas.microsoft.com/office/powerpoint/2010/main" val="1774174023"/>
+      </p:ext>
+    </p:extLst>
+  </p:cSld>
+  <p:clrMapOvr>
+    <a:masterClrMapping/>
+  </p:clrMapOvr>
+  <mc:AlternateContent xmlns:mc="http://schemas.openxmlformats.org/markup-compatibility/2006" xmlns:p14="http://schemas.microsoft.com/office/powerpoint/2010/main">
+    <mc:Choice Requires="p14">
+      <p:transition spd="med" p14:dur="700">
+        <p:fade/>
+      </p:transition>
+    </mc:Choice>
+    <mc:Fallback xmlns="">
+      <p:transition spd="med">
+        <p:fade/>
+      </p:transition>
+    </mc:Fallback>
+  </mc:AlternateContent>
+</p:sld>
+</file>
+
+<file path=ppt/slides/slide17.xml><?xml version="1.0" encoding="utf-8"?>
+<p:sld xmlns:a="http://schemas.openxmlformats.org/drawingml/2006/main" xmlns:r="http://schemas.openxmlformats.org/officeDocument/2006/relationships" xmlns:p="http://schemas.openxmlformats.org/presentationml/2006/main">
+  <p:cSld>
+    <p:spTree>
+      <p:nvGrpSpPr>
+        <p:cNvPr id="1" name=""/>
+        <p:cNvGrpSpPr/>
+        <p:nvPr/>
+      </p:nvGrpSpPr>
+      <p:grpSpPr>
+        <a:xfrm>
+          <a:off x="0" y="0"/>
+          <a:ext cx="0" cy="0"/>
+          <a:chOff x="0" y="0"/>
+          <a:chExt cx="0" cy="0"/>
+        </a:xfrm>
+      </p:grpSpPr>
+      <p:sp>
+        <p:nvSpPr>
+          <p:cNvPr id="2" name="Título 1">
+            <a:extLst>
+              <a:ext uri="{FF2B5EF4-FFF2-40B4-BE49-F238E27FC236}">
+                <a16:creationId xmlns:a16="http://schemas.microsoft.com/office/drawing/2014/main" id="{A187FA33-3CB1-4778-9553-D5B22C50B67B}"/>
+              </a:ext>
+            </a:extLst>
+          </p:cNvPr>
+          <p:cNvSpPr>
+            <a:spLocks noGrp="1"/>
+          </p:cNvSpPr>
+          <p:nvPr>
+            <p:ph type="title"/>
+          </p:nvPr>
+        </p:nvSpPr>
+        <p:spPr/>
+        <p:txBody>
+          <a:bodyPr/>
+          <a:lstStyle/>
+          <a:p>
+            <a:r>
+              <a:rPr lang="pt-BR" dirty="0"/>
+              <a:t>Divisibilidade por 8</a:t>
+            </a:r>
+          </a:p>
+        </p:txBody>
+      </p:sp>
+      <p:sp>
+        <p:nvSpPr>
+          <p:cNvPr id="3" name="Espaço Reservado para Conteúdo 2">
+            <a:extLst>
+              <a:ext uri="{FF2B5EF4-FFF2-40B4-BE49-F238E27FC236}">
+                <a16:creationId xmlns:a16="http://schemas.microsoft.com/office/drawing/2014/main" id="{CF651102-FD84-4138-9A87-4392003369B6}"/>
+              </a:ext>
+            </a:extLst>
+          </p:cNvPr>
+          <p:cNvSpPr>
+            <a:spLocks noGrp="1"/>
+          </p:cNvSpPr>
+          <p:nvPr>
+            <p:ph idx="1"/>
+          </p:nvPr>
+        </p:nvSpPr>
+        <p:spPr/>
+        <p:txBody>
+          <a:bodyPr/>
+          <a:lstStyle/>
+          <a:p>
+            <a:r>
+              <a:rPr lang="pt-BR" b="0" i="0" dirty="0">
+                <a:solidFill>
+                  <a:schemeClr val="accent1">
+                    <a:lumMod val="50000"/>
+                  </a:schemeClr>
+                </a:solidFill>
+                <a:effectLst/>
+              </a:rPr>
+              <a:t>Os números que são divisíveis por 8 são todos aquelas que possuem final 000 ou que os três últimos algarismos sejam divisíveis por 8.</a:t>
+            </a:r>
+          </a:p>
+          <a:p>
+            <a:r>
+              <a:rPr lang="pt-BR" b="0" i="0" dirty="0">
+                <a:solidFill>
+                  <a:schemeClr val="accent1">
+                    <a:lumMod val="50000"/>
+                  </a:schemeClr>
+                </a:solidFill>
+                <a:effectLst/>
+              </a:rPr>
+              <a:t>Por exemplo:</a:t>
+            </a:r>
+          </a:p>
+          <a:p>
+            <a:r>
+              <a:rPr lang="pt-BR" b="0" i="0" dirty="0">
+                <a:solidFill>
+                  <a:schemeClr val="accent1">
+                    <a:lumMod val="50000"/>
+                  </a:schemeClr>
+                </a:solidFill>
+                <a:effectLst/>
+                <a:latin typeface="UOLText"/>
+              </a:rPr>
+              <a:t>2000 = </a:t>
+            </a:r>
+            <a:r>
+              <a:rPr lang="pt-BR" b="0" i="0" dirty="0">
+                <a:solidFill>
+                  <a:srgbClr val="00B050"/>
+                </a:solidFill>
+                <a:effectLst/>
+                <a:latin typeface="UOLText"/>
+              </a:rPr>
+              <a:t>Sim</a:t>
+            </a:r>
+            <a:r>
+              <a:rPr lang="pt-BR" b="0" i="0" dirty="0">
+                <a:solidFill>
+                  <a:schemeClr val="accent1">
+                    <a:lumMod val="50000"/>
+                  </a:schemeClr>
+                </a:solidFill>
+                <a:effectLst/>
+                <a:latin typeface="UOLText"/>
+              </a:rPr>
+              <a:t>, pois termina com 000 </a:t>
+            </a:r>
+          </a:p>
+          <a:p>
+            <a:r>
+              <a:rPr lang="pt-BR" b="0" i="0" dirty="0">
+                <a:solidFill>
+                  <a:schemeClr val="accent1">
+                    <a:lumMod val="50000"/>
+                  </a:schemeClr>
+                </a:solidFill>
+                <a:effectLst/>
+                <a:latin typeface="UOLText"/>
+              </a:rPr>
+              <a:t>43104 =</a:t>
+            </a:r>
+            <a:r>
+              <a:rPr lang="pt-BR" b="0" i="0" dirty="0">
+                <a:solidFill>
+                  <a:srgbClr val="00B050"/>
+                </a:solidFill>
+                <a:effectLst/>
+                <a:latin typeface="UOLText"/>
+              </a:rPr>
+              <a:t>Sim</a:t>
+            </a:r>
+            <a:r>
+              <a:rPr lang="pt-BR" b="0" i="0" dirty="0">
+                <a:solidFill>
+                  <a:schemeClr val="accent1">
+                    <a:lumMod val="50000"/>
+                  </a:schemeClr>
+                </a:solidFill>
+                <a:effectLst/>
+                <a:latin typeface="UOLText"/>
+              </a:rPr>
+              <a:t>, pois 104 é </a:t>
+            </a:r>
+            <a:r>
+              <a:rPr lang="pt-BR" b="0" i="0" dirty="0" err="1">
+                <a:solidFill>
+                  <a:schemeClr val="accent1">
+                    <a:lumMod val="50000"/>
+                  </a:schemeClr>
+                </a:solidFill>
+                <a:effectLst/>
+                <a:latin typeface="UOLText"/>
+              </a:rPr>
+              <a:t>div</a:t>
+            </a:r>
+            <a:r>
+              <a:rPr lang="pt-BR" b="0" i="0" dirty="0">
+                <a:solidFill>
+                  <a:schemeClr val="accent1">
+                    <a:lumMod val="50000"/>
+                  </a:schemeClr>
+                </a:solidFill>
+                <a:effectLst/>
+                <a:latin typeface="UOLText"/>
+              </a:rPr>
+              <a:t>. por 8 </a:t>
+            </a:r>
+          </a:p>
+          <a:p>
+            <a:r>
+              <a:rPr lang="pt-BR" b="0" i="0" dirty="0">
+                <a:solidFill>
+                  <a:schemeClr val="accent1">
+                    <a:lumMod val="50000"/>
+                  </a:schemeClr>
+                </a:solidFill>
+                <a:effectLst/>
+                <a:latin typeface="UOLText"/>
+              </a:rPr>
+              <a:t>12445 =</a:t>
+            </a:r>
+            <a:r>
+              <a:rPr lang="pt-BR" b="0" i="0" dirty="0">
+                <a:solidFill>
+                  <a:srgbClr val="FF0000"/>
+                </a:solidFill>
+                <a:effectLst/>
+                <a:latin typeface="UOLText"/>
+              </a:rPr>
+              <a:t>Não</a:t>
+            </a:r>
+            <a:r>
+              <a:rPr lang="pt-BR" b="0" i="0" dirty="0">
+                <a:solidFill>
+                  <a:schemeClr val="accent1">
+                    <a:lumMod val="50000"/>
+                  </a:schemeClr>
+                </a:solidFill>
+                <a:effectLst/>
+                <a:latin typeface="UOLText"/>
+              </a:rPr>
+              <a:t>, pois 445 n</a:t>
+            </a:r>
+            <a:r>
+              <a:rPr lang="pt-BR" dirty="0">
+                <a:solidFill>
+                  <a:schemeClr val="accent1">
+                    <a:lumMod val="50000"/>
+                  </a:schemeClr>
+                </a:solidFill>
+                <a:latin typeface="UOLText"/>
+              </a:rPr>
+              <a:t>ão é </a:t>
+            </a:r>
+            <a:r>
+              <a:rPr lang="pt-BR" dirty="0" err="1">
+                <a:solidFill>
+                  <a:schemeClr val="accent1">
+                    <a:lumMod val="50000"/>
+                  </a:schemeClr>
+                </a:solidFill>
+                <a:latin typeface="UOLText"/>
+              </a:rPr>
+              <a:t>div</a:t>
+            </a:r>
+            <a:r>
+              <a:rPr lang="pt-BR" dirty="0">
+                <a:solidFill>
+                  <a:schemeClr val="accent1">
+                    <a:lumMod val="50000"/>
+                  </a:schemeClr>
+                </a:solidFill>
+                <a:latin typeface="UOLText"/>
+              </a:rPr>
+              <a:t>. por 8</a:t>
+            </a:r>
+            <a:endParaRPr lang="pt-BR" dirty="0">
+              <a:solidFill>
+                <a:schemeClr val="accent1">
+                  <a:lumMod val="50000"/>
+                </a:schemeClr>
+              </a:solidFill>
+            </a:endParaRPr>
+          </a:p>
+        </p:txBody>
+      </p:sp>
+      <p:sp>
+        <p:nvSpPr>
+          <p:cNvPr id="4" name="Espaço Reservado para Rodapé 3">
+            <a:extLst>
+              <a:ext uri="{FF2B5EF4-FFF2-40B4-BE49-F238E27FC236}">
+                <a16:creationId xmlns:a16="http://schemas.microsoft.com/office/drawing/2014/main" id="{73FB2DE8-36CB-4136-8615-089A5DC9A87B}"/>
+              </a:ext>
+            </a:extLst>
+          </p:cNvPr>
+          <p:cNvSpPr>
+            <a:spLocks noGrp="1"/>
+          </p:cNvSpPr>
+          <p:nvPr>
+            <p:ph type="ftr" sz="quarter" idx="11"/>
+          </p:nvPr>
+        </p:nvSpPr>
+        <p:spPr/>
+        <p:txBody>
+          <a:bodyPr/>
+          <a:lstStyle/>
+          <a:p>
+            <a:r>
+              <a:rPr lang="pt-BR"/>
+              <a:t>Eric Sampaio</a:t>
+            </a:r>
+          </a:p>
+        </p:txBody>
+      </p:sp>
+      <p:sp>
+        <p:nvSpPr>
+          <p:cNvPr id="5" name="Espaço Reservado para Número de Slide 4">
+            <a:extLst>
+              <a:ext uri="{FF2B5EF4-FFF2-40B4-BE49-F238E27FC236}">
+                <a16:creationId xmlns:a16="http://schemas.microsoft.com/office/drawing/2014/main" id="{F071BE45-875E-400E-9866-DEEE2FAF2F9E}"/>
+              </a:ext>
+            </a:extLst>
+          </p:cNvPr>
+          <p:cNvSpPr>
+            <a:spLocks noGrp="1"/>
+          </p:cNvSpPr>
+          <p:nvPr>
+            <p:ph type="sldNum" sz="quarter" idx="12"/>
+          </p:nvPr>
+        </p:nvSpPr>
+        <p:spPr/>
+        <p:txBody>
+          <a:bodyPr/>
+          <a:lstStyle/>
+          <a:p>
+            <a:fld id="{2119D8CF-8DEC-4D9F-84EE-ADF04DFF3391}" type="slidenum">
+              <a:rPr lang="pt-BR" smtClean="0"/>
+              <a:t>17</a:t>
+            </a:fld>
+            <a:endParaRPr lang="pt-BR"/>
+          </a:p>
+        </p:txBody>
+      </p:sp>
+    </p:spTree>
+    <p:extLst>
+      <p:ext uri="{BB962C8B-B14F-4D97-AF65-F5344CB8AC3E}">
+        <p14:creationId xmlns:p14="http://schemas.microsoft.com/office/powerpoint/2010/main" val="4213284822"/>
+      </p:ext>
+    </p:extLst>
+  </p:cSld>
+  <p:clrMapOvr>
+    <a:masterClrMapping/>
+  </p:clrMapOvr>
+  <mc:AlternateContent xmlns:mc="http://schemas.openxmlformats.org/markup-compatibility/2006" xmlns:p14="http://schemas.microsoft.com/office/powerpoint/2010/main">
+    <mc:Choice Requires="p14">
+      <p:transition spd="med" p14:dur="700">
+        <p:fade/>
+      </p:transition>
+    </mc:Choice>
+    <mc:Fallback xmlns="">
+      <p:transition spd="med">
+        <p:fade/>
+      </p:transition>
+    </mc:Fallback>
+  </mc:AlternateContent>
+</p:sld>
+</file>
+
+<file path=ppt/slides/slide18.xml><?xml version="1.0" encoding="utf-8"?>
+<p:sld xmlns:a="http://schemas.openxmlformats.org/drawingml/2006/main" xmlns:r="http://schemas.openxmlformats.org/officeDocument/2006/relationships" xmlns:p="http://schemas.openxmlformats.org/presentationml/2006/main">
+  <p:cSld>
+    <p:spTree>
+      <p:nvGrpSpPr>
+        <p:cNvPr id="1" name=""/>
+        <p:cNvGrpSpPr/>
+        <p:nvPr/>
+      </p:nvGrpSpPr>
+      <p:grpSpPr>
+        <a:xfrm>
+          <a:off x="0" y="0"/>
+          <a:ext cx="0" cy="0"/>
+          <a:chOff x="0" y="0"/>
+          <a:chExt cx="0" cy="0"/>
+        </a:xfrm>
+      </p:grpSpPr>
+      <p:sp>
+        <p:nvSpPr>
+          <p:cNvPr id="2" name="Título 1"/>
+          <p:cNvSpPr>
+            <a:spLocks noGrp="1"/>
+          </p:cNvSpPr>
+          <p:nvPr>
+            <p:ph type="title"/>
+          </p:nvPr>
+        </p:nvSpPr>
+        <p:spPr/>
+        <p:txBody>
+          <a:bodyPr/>
+          <a:lstStyle/>
+          <a:p>
+            <a:r>
+              <a:rPr lang="pt-BR" dirty="0"/>
+              <a:t>Divisibilidade por 9</a:t>
+            </a:r>
+          </a:p>
+        </p:txBody>
+      </p:sp>
+      <p:sp>
+        <p:nvSpPr>
+          <p:cNvPr id="3" name="Espaço Reservado para Conteúdo 2"/>
+          <p:cNvSpPr>
+            <a:spLocks noGrp="1"/>
+          </p:cNvSpPr>
+          <p:nvPr>
+            <p:ph idx="1"/>
+          </p:nvPr>
+        </p:nvSpPr>
+        <p:spPr/>
+        <p:txBody>
+          <a:bodyPr>
+            <a:normAutofit fontScale="70000" lnSpcReduction="20000"/>
+          </a:bodyPr>
+          <a:lstStyle/>
+          <a:p>
+            <a:r>
+              <a:rPr lang="pt-BR" dirty="0"/>
+              <a:t>Todo número que dividido por 9 dê resto 0;</a:t>
+            </a:r>
+          </a:p>
+          <a:p>
+            <a:pPr marL="0" indent="0">
+              <a:buNone/>
+            </a:pPr>
+            <a:r>
+              <a:rPr lang="pt-BR" dirty="0"/>
+              <a:t> Ex.:9,18,27,81...</a:t>
+            </a:r>
+          </a:p>
+          <a:p>
+            <a:pPr marL="0" indent="0">
+              <a:buNone/>
+            </a:pPr>
+            <a:r>
+              <a:rPr lang="pt-BR" dirty="0"/>
+              <a:t> </a:t>
+            </a:r>
+          </a:p>
+          <a:p>
+            <a:pPr marL="0" indent="0" algn="ctr">
+              <a:buNone/>
+            </a:pPr>
+            <a:r>
+              <a:rPr lang="pt-BR" b="1" dirty="0"/>
+              <a:t>Se o número for muito grande?</a:t>
+            </a:r>
+          </a:p>
+          <a:p>
+            <a:pPr marL="0" indent="0">
+              <a:buNone/>
+            </a:pPr>
+            <a:r>
+              <a:rPr lang="pt-BR" dirty="0"/>
+              <a:t>Soma todos os algarismos, se o resultado for um número múltiplo de 9, então esse número em questão também é.</a:t>
+            </a:r>
+          </a:p>
+          <a:p>
+            <a:pPr marL="0" indent="0">
+              <a:buNone/>
+            </a:pPr>
+            <a:r>
+              <a:rPr lang="pt-BR" dirty="0"/>
+              <a:t>Ex.:</a:t>
+            </a:r>
+          </a:p>
+          <a:p>
+            <a:pPr marL="0" indent="0">
+              <a:buNone/>
+            </a:pPr>
+            <a:r>
+              <a:rPr lang="pt-BR" sz="4100" dirty="0"/>
+              <a:t>1575</a:t>
+            </a:r>
+            <a:endParaRPr lang="pt-BR" sz="4100" dirty="0">
+              <a:solidFill>
+                <a:srgbClr val="00B050"/>
+              </a:solidFill>
+              <a:sym typeface="Wingdings"/>
+            </a:endParaRPr>
+          </a:p>
+          <a:p>
+            <a:pPr marL="0" indent="0">
+              <a:buNone/>
+            </a:pPr>
+            <a:r>
+              <a:rPr lang="pt-BR" sz="4100" dirty="0"/>
+              <a:t>5.187</a:t>
+            </a:r>
+            <a:endParaRPr lang="pt-BR" sz="4100" dirty="0">
+              <a:solidFill>
+                <a:srgbClr val="FF0000"/>
+              </a:solidFill>
+            </a:endParaRPr>
+          </a:p>
+          <a:p>
+            <a:pPr marL="0" indent="0">
+              <a:buNone/>
+            </a:pPr>
+            <a:r>
+              <a:rPr lang="pt-BR" sz="4100" dirty="0"/>
+              <a:t>13.512</a:t>
+            </a:r>
+            <a:endParaRPr lang="pt-BR" sz="4100" dirty="0">
+              <a:solidFill>
+                <a:srgbClr val="FF0000"/>
+              </a:solidFill>
+            </a:endParaRPr>
+          </a:p>
+          <a:p>
+            <a:pPr marL="0" indent="0">
+              <a:buNone/>
+            </a:pPr>
+            <a:r>
+              <a:rPr lang="pt-BR" sz="4100" dirty="0"/>
+              <a:t>124.578 </a:t>
+            </a:r>
+            <a:endParaRPr lang="pt-BR" sz="4100" dirty="0">
+              <a:solidFill>
+                <a:srgbClr val="00B050"/>
+              </a:solidFill>
+              <a:sym typeface="Wingdings"/>
+            </a:endParaRPr>
+          </a:p>
+          <a:p>
+            <a:pPr marL="0" indent="0">
+              <a:buNone/>
+            </a:pPr>
+            <a:endParaRPr lang="pt-BR" dirty="0"/>
+          </a:p>
+          <a:p>
+            <a:pPr marL="0" indent="0">
+              <a:buNone/>
+            </a:pPr>
+            <a:endParaRPr lang="pt-BR" dirty="0"/>
+          </a:p>
+          <a:p>
+            <a:pPr marL="0" indent="0">
+              <a:buNone/>
+            </a:pPr>
+            <a:endParaRPr lang="pt-BR" dirty="0"/>
+          </a:p>
+        </p:txBody>
+      </p:sp>
+      <p:sp>
+        <p:nvSpPr>
+          <p:cNvPr id="4" name="Espaço Reservado para Rodapé 3"/>
+          <p:cNvSpPr>
+            <a:spLocks noGrp="1"/>
+          </p:cNvSpPr>
+          <p:nvPr>
+            <p:ph type="ftr" sz="quarter" idx="11"/>
+          </p:nvPr>
+        </p:nvSpPr>
+        <p:spPr/>
+        <p:txBody>
+          <a:bodyPr/>
+          <a:lstStyle/>
+          <a:p>
+            <a:r>
+              <a:rPr lang="pt-BR"/>
+              <a:t>Eric Sampaio</a:t>
+            </a:r>
+          </a:p>
+        </p:txBody>
+      </p:sp>
+      <p:sp>
+        <p:nvSpPr>
+          <p:cNvPr id="5" name="Espaço Reservado para Número de Slide 4"/>
+          <p:cNvSpPr>
+            <a:spLocks noGrp="1"/>
+          </p:cNvSpPr>
+          <p:nvPr>
+            <p:ph type="sldNum" sz="quarter" idx="12"/>
+          </p:nvPr>
+        </p:nvSpPr>
+        <p:spPr/>
+        <p:txBody>
+          <a:bodyPr/>
+          <a:lstStyle/>
+          <a:p>
+            <a:fld id="{2119D8CF-8DEC-4D9F-84EE-ADF04DFF3391}" type="slidenum">
+              <a:rPr lang="pt-BR" smtClean="0"/>
+              <a:t>18</a:t>
+            </a:fld>
+            <a:endParaRPr lang="pt-BR"/>
+          </a:p>
+        </p:txBody>
+      </p:sp>
+    </p:spTree>
+    <p:extLst>
+      <p:ext uri="{BB962C8B-B14F-4D97-AF65-F5344CB8AC3E}">
+        <p14:creationId xmlns:p14="http://schemas.microsoft.com/office/powerpoint/2010/main" val="1341122284"/>
+      </p:ext>
+    </p:extLst>
+  </p:cSld>
+  <p:clrMapOvr>
+    <a:masterClrMapping/>
+  </p:clrMapOvr>
+  <mc:AlternateContent xmlns:mc="http://schemas.openxmlformats.org/markup-compatibility/2006" xmlns:p14="http://schemas.microsoft.com/office/powerpoint/2010/main">
+    <mc:Choice Requires="p14">
+      <p:transition spd="med" p14:dur="700">
+        <p:fade/>
+      </p:transition>
+    </mc:Choice>
+    <mc:Fallback xmlns="">
+      <p:transition spd="med">
+        <p:fade/>
+      </p:transition>
+    </mc:Fallback>
+  </mc:AlternateContent>
+</p:sld>
+</file>
+
+<file path=ppt/slides/slide19.xml><?xml version="1.0" encoding="utf-8"?>
+<p:sld xmlns:a="http://schemas.openxmlformats.org/drawingml/2006/main" xmlns:r="http://schemas.openxmlformats.org/officeDocument/2006/relationships" xmlns:p="http://schemas.openxmlformats.org/presentationml/2006/main">
+  <p:cSld>
+    <p:spTree>
+      <p:nvGrpSpPr>
+        <p:cNvPr id="1" name=""/>
+        <p:cNvGrpSpPr/>
+        <p:nvPr/>
+      </p:nvGrpSpPr>
+      <p:grpSpPr>
+        <a:xfrm>
+          <a:off x="0" y="0"/>
+          <a:ext cx="0" cy="0"/>
+          <a:chOff x="0" y="0"/>
+          <a:chExt cx="0" cy="0"/>
+        </a:xfrm>
+      </p:grpSpPr>
+      <p:sp>
+        <p:nvSpPr>
+          <p:cNvPr id="2" name="Título 1"/>
+          <p:cNvSpPr>
+            <a:spLocks noGrp="1"/>
+          </p:cNvSpPr>
+          <p:nvPr>
+            <p:ph type="title"/>
+          </p:nvPr>
+        </p:nvSpPr>
+        <p:spPr/>
+        <p:txBody>
+          <a:bodyPr/>
+          <a:lstStyle/>
+          <a:p>
+            <a:r>
+              <a:rPr lang="pt-BR" dirty="0"/>
+              <a:t>Divisibilidade por 9</a:t>
+            </a:r>
+          </a:p>
+        </p:txBody>
+      </p:sp>
+      <p:sp>
+        <p:nvSpPr>
+          <p:cNvPr id="3" name="Espaço Reservado para Conteúdo 2"/>
+          <p:cNvSpPr>
+            <a:spLocks noGrp="1"/>
+          </p:cNvSpPr>
+          <p:nvPr>
+            <p:ph idx="1"/>
+          </p:nvPr>
+        </p:nvSpPr>
+        <p:spPr/>
+        <p:txBody>
+          <a:bodyPr>
+            <a:normAutofit fontScale="70000" lnSpcReduction="20000"/>
+          </a:bodyPr>
+          <a:lstStyle/>
+          <a:p>
+            <a:r>
+              <a:rPr lang="pt-BR" dirty="0"/>
+              <a:t>Todo número que dividido por 9 dê resto 0;</a:t>
+            </a:r>
+          </a:p>
+          <a:p>
+            <a:pPr marL="0" indent="0">
+              <a:buNone/>
+            </a:pPr>
+            <a:r>
+              <a:rPr lang="pt-BR" dirty="0"/>
+              <a:t> Ex.:9,18,27,81...</a:t>
+            </a:r>
+          </a:p>
+          <a:p>
+            <a:pPr marL="0" indent="0">
+              <a:buNone/>
+            </a:pPr>
+            <a:r>
+              <a:rPr lang="pt-BR" dirty="0"/>
+              <a:t> </a:t>
+            </a:r>
+          </a:p>
+          <a:p>
+            <a:pPr marL="0" indent="0" algn="ctr">
+              <a:buNone/>
+            </a:pPr>
+            <a:r>
+              <a:rPr lang="pt-BR" b="1" dirty="0"/>
+              <a:t>Se o número for muito grande?</a:t>
+            </a:r>
+          </a:p>
+          <a:p>
+            <a:pPr marL="0" indent="0">
+              <a:buNone/>
+            </a:pPr>
+            <a:r>
+              <a:rPr lang="pt-BR" dirty="0"/>
+              <a:t>Soma todos os algarismos, se o resultado for um número múltiplo de 9, então esse número em questão também é.</a:t>
+            </a:r>
+          </a:p>
+          <a:p>
+            <a:pPr marL="0" indent="0">
+              <a:buNone/>
+            </a:pPr>
+            <a:r>
+              <a:rPr lang="pt-BR" dirty="0"/>
+              <a:t>Ex.:</a:t>
+            </a:r>
+          </a:p>
+          <a:p>
+            <a:pPr marL="0" indent="0">
+              <a:buNone/>
+            </a:pPr>
+            <a:r>
+              <a:rPr lang="pt-BR" sz="4100" dirty="0"/>
+              <a:t>1575 = 1+5+7+5= 18 </a:t>
+            </a:r>
+            <a:r>
+              <a:rPr lang="pt-BR" sz="4100" dirty="0">
+                <a:solidFill>
+                  <a:srgbClr val="00B050"/>
+                </a:solidFill>
+                <a:sym typeface="Wingdings"/>
+              </a:rPr>
+              <a:t>Sim</a:t>
+            </a:r>
+          </a:p>
+          <a:p>
+            <a:pPr marL="0" indent="0">
+              <a:buNone/>
+            </a:pPr>
+            <a:r>
+              <a:rPr lang="pt-BR" sz="4100" dirty="0"/>
+              <a:t>5.187 = 5+1+8+7 = 21 </a:t>
+            </a:r>
+            <a:r>
+              <a:rPr lang="pt-BR" sz="4100" dirty="0">
+                <a:solidFill>
+                  <a:srgbClr val="FF0000"/>
+                </a:solidFill>
+                <a:sym typeface="Wingdings"/>
+              </a:rPr>
+              <a:t>Não</a:t>
+            </a:r>
+            <a:endParaRPr lang="pt-BR" sz="4100" dirty="0">
+              <a:solidFill>
+                <a:srgbClr val="FF0000"/>
+              </a:solidFill>
+            </a:endParaRPr>
+          </a:p>
+          <a:p>
+            <a:pPr marL="0" indent="0">
+              <a:buNone/>
+            </a:pPr>
+            <a:r>
+              <a:rPr lang="pt-BR" sz="4100" dirty="0"/>
+              <a:t>13.512 = 1+3+5+5+1+2 = 17 </a:t>
+            </a:r>
+            <a:r>
+              <a:rPr lang="pt-BR" sz="4100" dirty="0">
+                <a:solidFill>
+                  <a:srgbClr val="FF0000"/>
+                </a:solidFill>
+                <a:sym typeface="Wingdings"/>
+              </a:rPr>
+              <a:t>Não</a:t>
+            </a:r>
+            <a:endParaRPr lang="pt-BR" sz="4100" dirty="0">
+              <a:solidFill>
+                <a:srgbClr val="FF0000"/>
+              </a:solidFill>
+            </a:endParaRPr>
+          </a:p>
+          <a:p>
+            <a:pPr marL="0" indent="0">
+              <a:buNone/>
+            </a:pPr>
+            <a:r>
+              <a:rPr lang="pt-BR" sz="4100" dirty="0"/>
+              <a:t>124.578 = 1+2+4+5+7+8 = 27  </a:t>
+            </a:r>
+            <a:r>
+              <a:rPr lang="pt-BR" sz="4100" dirty="0">
+                <a:solidFill>
+                  <a:srgbClr val="00B050"/>
+                </a:solidFill>
+                <a:sym typeface="Wingdings"/>
+              </a:rPr>
+              <a:t>Sim</a:t>
+            </a:r>
+          </a:p>
+          <a:p>
+            <a:pPr marL="0" indent="0">
+              <a:buNone/>
+            </a:pPr>
+            <a:endParaRPr lang="pt-BR" dirty="0"/>
+          </a:p>
+          <a:p>
+            <a:pPr marL="0" indent="0">
+              <a:buNone/>
+            </a:pPr>
+            <a:endParaRPr lang="pt-BR" dirty="0"/>
+          </a:p>
+          <a:p>
+            <a:pPr marL="0" indent="0">
+              <a:buNone/>
+            </a:pPr>
+            <a:endParaRPr lang="pt-BR" dirty="0"/>
+          </a:p>
+        </p:txBody>
+      </p:sp>
+      <p:sp>
+        <p:nvSpPr>
+          <p:cNvPr id="4" name="Espaço Reservado para Rodapé 3"/>
+          <p:cNvSpPr>
+            <a:spLocks noGrp="1"/>
+          </p:cNvSpPr>
+          <p:nvPr>
+            <p:ph type="ftr" sz="quarter" idx="11"/>
+          </p:nvPr>
+        </p:nvSpPr>
+        <p:spPr/>
+        <p:txBody>
+          <a:bodyPr/>
+          <a:lstStyle/>
+          <a:p>
+            <a:r>
+              <a:rPr lang="pt-BR"/>
+              <a:t>Eric Sampaio</a:t>
+            </a:r>
+          </a:p>
+        </p:txBody>
+      </p:sp>
+      <p:sp>
+        <p:nvSpPr>
+          <p:cNvPr id="5" name="Espaço Reservado para Número de Slide 4"/>
+          <p:cNvSpPr>
+            <a:spLocks noGrp="1"/>
+          </p:cNvSpPr>
+          <p:nvPr>
+            <p:ph type="sldNum" sz="quarter" idx="12"/>
+          </p:nvPr>
+        </p:nvSpPr>
+        <p:spPr/>
+        <p:txBody>
+          <a:bodyPr/>
+          <a:lstStyle/>
+          <a:p>
+            <a:fld id="{2119D8CF-8DEC-4D9F-84EE-ADF04DFF3391}" type="slidenum">
+              <a:rPr lang="pt-BR" smtClean="0"/>
+              <a:t>19</a:t>
+            </a:fld>
+            <a:endParaRPr lang="pt-BR"/>
+          </a:p>
+        </p:txBody>
+      </p:sp>
+    </p:spTree>
+    <p:extLst>
+      <p:ext uri="{BB962C8B-B14F-4D97-AF65-F5344CB8AC3E}">
+        <p14:creationId xmlns:p14="http://schemas.microsoft.com/office/powerpoint/2010/main" val="2860931561"/>
+      </p:ext>
+    </p:extLst>
+  </p:cSld>
+  <p:clrMapOvr>
+    <a:masterClrMapping/>
+  </p:clrMapOvr>
+  <mc:AlternateContent xmlns:mc="http://schemas.openxmlformats.org/markup-compatibility/2006" xmlns:p14="http://schemas.microsoft.com/office/powerpoint/2010/main">
+    <mc:Choice Requires="p14">
+      <p:transition spd="med" p14:dur="700">
+        <p:fade/>
+      </p:transition>
+    </mc:Choice>
+    <mc:Fallback xmlns="">
+      <p:transition spd="med">
+        <p:fade/>
+      </p:transition>
+    </mc:Fallback>
+  </mc:AlternateContent>
+</p:sld>
+</file>
+
+<file path=ppt/slides/slide2.xml><?xml version="1.0" encoding="utf-8"?>
+<p:sld xmlns:a="http://schemas.openxmlformats.org/drawingml/2006/main" xmlns:r="http://schemas.openxmlformats.org/officeDocument/2006/relationships" xmlns:p="http://schemas.openxmlformats.org/presentationml/2006/main">
+  <p:cSld>
+    <p:spTree>
+      <p:nvGrpSpPr>
+        <p:cNvPr id="1" name=""/>
+        <p:cNvGrpSpPr/>
+        <p:nvPr/>
+      </p:nvGrpSpPr>
+      <p:grpSpPr>
+        <a:xfrm>
+          <a:off x="0" y="0"/>
+          <a:ext cx="0" cy="0"/>
+          <a:chOff x="0" y="0"/>
+          <a:chExt cx="0" cy="0"/>
+        </a:xfrm>
+      </p:grpSpPr>
+      <p:sp>
+        <p:nvSpPr>
+          <p:cNvPr id="2" name="Título 1"/>
+          <p:cNvSpPr>
+            <a:spLocks noGrp="1"/>
+          </p:cNvSpPr>
+          <p:nvPr>
+            <p:ph type="title"/>
+          </p:nvPr>
+        </p:nvSpPr>
+        <p:spPr/>
+        <p:txBody>
+          <a:bodyPr/>
+          <a:lstStyle/>
+          <a:p>
+            <a:r>
+              <a:rPr lang="pt-BR" dirty="0"/>
+              <a:t>Agenda</a:t>
+            </a:r>
+          </a:p>
+        </p:txBody>
+      </p:sp>
+      <p:sp>
+        <p:nvSpPr>
+          <p:cNvPr id="3" name="Espaço Reservado para Conteúdo 2"/>
+          <p:cNvSpPr>
+            <a:spLocks noGrp="1"/>
+          </p:cNvSpPr>
+          <p:nvPr>
+            <p:ph idx="1"/>
+          </p:nvPr>
+        </p:nvSpPr>
+        <p:spPr/>
+        <p:txBody>
+          <a:bodyPr/>
+          <a:lstStyle/>
+          <a:p>
+            <a:r>
+              <a:rPr lang="pt-BR" dirty="0"/>
+              <a:t>Critérios de divisibilidade</a:t>
+            </a:r>
+          </a:p>
+          <a:p>
+            <a:pPr lvl="1"/>
+            <a:r>
+              <a:rPr lang="pt-BR" dirty="0"/>
+              <a:t>Divisibilidade por 2; </a:t>
+            </a:r>
+            <a:r>
+              <a:rPr lang="pt-BR" b="1" dirty="0">
+                <a:solidFill>
+                  <a:srgbClr val="FF0000"/>
+                </a:solidFill>
+              </a:rPr>
+              <a:t>4</a:t>
+            </a:r>
+          </a:p>
+          <a:p>
+            <a:pPr lvl="1"/>
+            <a:r>
+              <a:rPr lang="pt-BR" dirty="0"/>
+              <a:t>Divisibilidade por 3; </a:t>
+            </a:r>
+            <a:r>
+              <a:rPr lang="pt-BR" b="1" dirty="0">
+                <a:solidFill>
+                  <a:srgbClr val="FF0000"/>
+                </a:solidFill>
+              </a:rPr>
+              <a:t>6</a:t>
+            </a:r>
+            <a:r>
+              <a:rPr lang="pt-BR" dirty="0"/>
+              <a:t>  e  </a:t>
+            </a:r>
+            <a:r>
+              <a:rPr lang="pt-BR" b="1" dirty="0">
+                <a:solidFill>
+                  <a:srgbClr val="FF0000"/>
+                </a:solidFill>
+              </a:rPr>
+              <a:t>9</a:t>
+            </a:r>
+          </a:p>
+          <a:p>
+            <a:pPr lvl="1"/>
+            <a:r>
+              <a:rPr lang="pt-BR" dirty="0"/>
+              <a:t>Divisibilidade por 5;</a:t>
+            </a:r>
+          </a:p>
+          <a:p>
+            <a:pPr lvl="1"/>
+            <a:r>
+              <a:rPr lang="pt-BR" dirty="0"/>
+              <a:t>Divisibilidade por 7;</a:t>
+            </a:r>
+          </a:p>
+          <a:p>
+            <a:pPr lvl="1"/>
+            <a:r>
+              <a:rPr lang="pt-BR" dirty="0"/>
+              <a:t>Divisibilidade por 11;</a:t>
+            </a:r>
+          </a:p>
+          <a:p>
+            <a:r>
+              <a:rPr lang="pt-BR" dirty="0"/>
+              <a:t>Números primos</a:t>
+            </a:r>
+          </a:p>
+          <a:p>
+            <a:r>
+              <a:rPr lang="pt-BR" dirty="0"/>
+              <a:t>Crivo de Eratóstenes;</a:t>
+            </a:r>
+          </a:p>
+        </p:txBody>
+      </p:sp>
+      <p:sp>
+        <p:nvSpPr>
+          <p:cNvPr id="4" name="Espaço Reservado para Rodapé 3"/>
+          <p:cNvSpPr>
+            <a:spLocks noGrp="1"/>
+          </p:cNvSpPr>
+          <p:nvPr>
+            <p:ph type="ftr" sz="quarter" idx="11"/>
+          </p:nvPr>
+        </p:nvSpPr>
+        <p:spPr/>
+        <p:txBody>
+          <a:bodyPr/>
+          <a:lstStyle/>
+          <a:p>
+            <a:r>
+              <a:rPr lang="pt-BR"/>
+              <a:t>Eric Sampaio</a:t>
+            </a:r>
+          </a:p>
+        </p:txBody>
+      </p:sp>
+      <p:sp>
+        <p:nvSpPr>
+          <p:cNvPr id="5" name="Espaço Reservado para Número de Slide 4"/>
+          <p:cNvSpPr>
+            <a:spLocks noGrp="1"/>
+          </p:cNvSpPr>
+          <p:nvPr>
+            <p:ph type="sldNum" sz="quarter" idx="12"/>
+          </p:nvPr>
+        </p:nvSpPr>
+        <p:spPr/>
+        <p:txBody>
+          <a:bodyPr/>
+          <a:lstStyle/>
+          <a:p>
+            <a:fld id="{2119D8CF-8DEC-4D9F-84EE-ADF04DFF3391}" type="slidenum">
+              <a:rPr lang="pt-BR" smtClean="0"/>
+              <a:t>2</a:t>
+            </a:fld>
+            <a:endParaRPr lang="pt-BR"/>
+          </a:p>
+        </p:txBody>
+      </p:sp>
+    </p:spTree>
+    <p:extLst>
+      <p:ext uri="{BB962C8B-B14F-4D97-AF65-F5344CB8AC3E}">
+        <p14:creationId xmlns:p14="http://schemas.microsoft.com/office/powerpoint/2010/main" val="4271518158"/>
+      </p:ext>
+    </p:extLst>
+  </p:cSld>
+  <p:clrMapOvr>
+    <a:masterClrMapping/>
+  </p:clrMapOvr>
+  <mc:AlternateContent xmlns:mc="http://schemas.openxmlformats.org/markup-compatibility/2006" xmlns:p14="http://schemas.microsoft.com/office/powerpoint/2010/main">
+    <mc:Choice Requires="p14">
+      <p:transition spd="med" p14:dur="700">
+        <p:fade/>
+      </p:transition>
+    </mc:Choice>
+    <mc:Fallback xmlns="">
+      <p:transition spd="med">
+        <p:fade/>
+      </p:transition>
+    </mc:Fallback>
+  </mc:AlternateContent>
+</p:sld>
+</file>
+
+<file path=ppt/slides/slide20.xml><?xml version="1.0" encoding="utf-8"?>
+<p:sld xmlns:a="http://schemas.openxmlformats.org/drawingml/2006/main" xmlns:r="http://schemas.openxmlformats.org/officeDocument/2006/relationships" xmlns:p="http://schemas.openxmlformats.org/presentationml/2006/main">
+  <p:cSld>
+    <p:spTree>
+      <p:nvGrpSpPr>
+        <p:cNvPr id="1" name=""/>
+        <p:cNvGrpSpPr/>
+        <p:nvPr/>
+      </p:nvGrpSpPr>
+      <p:grpSpPr>
+        <a:xfrm>
+          <a:off x="0" y="0"/>
+          <a:ext cx="0" cy="0"/>
+          <a:chOff x="0" y="0"/>
+          <a:chExt cx="0" cy="0"/>
+        </a:xfrm>
+      </p:grpSpPr>
+      <p:sp>
+        <p:nvSpPr>
+          <p:cNvPr id="2" name="Título 1"/>
+          <p:cNvSpPr>
+            <a:spLocks noGrp="1"/>
+          </p:cNvSpPr>
+          <p:nvPr>
+            <p:ph type="title"/>
+          </p:nvPr>
+        </p:nvSpPr>
+        <p:spPr/>
+        <p:txBody>
+          <a:bodyPr/>
+          <a:lstStyle/>
+          <a:p>
+            <a:r>
+              <a:rPr lang="pt-BR" dirty="0"/>
+              <a:t>Divisibilidade por 11</a:t>
+            </a:r>
+          </a:p>
+        </p:txBody>
+      </p:sp>
+      <p:sp>
+        <p:nvSpPr>
+          <p:cNvPr id="3" name="Espaço Reservado para Conteúdo 2"/>
+          <p:cNvSpPr>
+            <a:spLocks noGrp="1"/>
+          </p:cNvSpPr>
+          <p:nvPr>
+            <p:ph idx="1"/>
+          </p:nvPr>
+        </p:nvSpPr>
+        <p:spPr/>
+        <p:txBody>
+          <a:bodyPr>
+            <a:normAutofit lnSpcReduction="10000"/>
+          </a:bodyPr>
+          <a:lstStyle/>
+          <a:p>
+            <a:r>
+              <a:rPr lang="pt-BR" dirty="0"/>
+              <a:t>Some todos os algarismos na posição par e subtraia da soma dos algarismos na posição ímpar</a:t>
+            </a:r>
+          </a:p>
+          <a:p>
+            <a:r>
+              <a:rPr lang="pt-BR" dirty="0"/>
+              <a:t>Ex.: 14641 e 8647</a:t>
+            </a:r>
+          </a:p>
+          <a:p>
+            <a:pPr marL="0" lvl="1" indent="0">
+              <a:spcBef>
+                <a:spcPts val="1400"/>
+              </a:spcBef>
+              <a:buNone/>
+            </a:pPr>
+            <a:r>
+              <a:rPr lang="pt-BR" dirty="0">
+                <a:solidFill>
+                  <a:srgbClr val="FF0000"/>
+                </a:solidFill>
+              </a:rPr>
+              <a:t> </a:t>
+            </a:r>
+            <a:r>
+              <a:rPr lang="pt-BR" sz="2800" dirty="0">
+                <a:solidFill>
+                  <a:schemeClr val="tx1">
+                    <a:lumMod val="75000"/>
+                  </a:schemeClr>
+                </a:solidFill>
+              </a:rPr>
+              <a:t>1</a:t>
+            </a:r>
+            <a:r>
+              <a:rPr lang="pt-BR" sz="2800" dirty="0">
+                <a:solidFill>
+                  <a:srgbClr val="FF0000"/>
+                </a:solidFill>
+              </a:rPr>
+              <a:t>4</a:t>
+            </a:r>
+            <a:r>
+              <a:rPr lang="pt-BR" sz="2800" dirty="0">
+                <a:solidFill>
+                  <a:schemeClr val="tx1">
+                    <a:lumMod val="75000"/>
+                  </a:schemeClr>
+                </a:solidFill>
+              </a:rPr>
+              <a:t>6</a:t>
+            </a:r>
+            <a:r>
+              <a:rPr lang="pt-BR" sz="2800" dirty="0">
+                <a:solidFill>
+                  <a:srgbClr val="FF0000"/>
+                </a:solidFill>
+              </a:rPr>
+              <a:t>4</a:t>
+            </a:r>
+            <a:r>
+              <a:rPr lang="pt-BR" sz="2800" dirty="0">
+                <a:solidFill>
+                  <a:schemeClr val="tx1">
+                    <a:lumMod val="75000"/>
+                  </a:schemeClr>
+                </a:solidFill>
+              </a:rPr>
+              <a:t>1 = </a:t>
+            </a:r>
+            <a:r>
+              <a:rPr lang="pt-BR" sz="2800" dirty="0"/>
+              <a:t>4+4 = 8     8 – 8 = 0 </a:t>
+            </a:r>
+            <a:endParaRPr lang="pt-BR" sz="2800" dirty="0">
+              <a:solidFill>
+                <a:schemeClr val="tx1">
+                  <a:lumMod val="75000"/>
+                </a:schemeClr>
+              </a:solidFill>
+            </a:endParaRPr>
+          </a:p>
+          <a:p>
+            <a:pPr marL="0" lvl="1" indent="0">
+              <a:spcBef>
+                <a:spcPts val="1400"/>
+              </a:spcBef>
+              <a:buNone/>
+            </a:pPr>
+            <a:r>
+              <a:rPr lang="pt-BR" dirty="0">
+                <a:solidFill>
+                  <a:schemeClr val="tx1">
+                    <a:lumMod val="75000"/>
+                  </a:schemeClr>
+                </a:solidFill>
+              </a:rPr>
+              <a:t>	 </a:t>
+            </a:r>
+            <a:r>
+              <a:rPr lang="pt-BR" sz="2800" dirty="0">
+                <a:solidFill>
+                  <a:schemeClr val="tx1">
+                    <a:lumMod val="75000"/>
+                  </a:schemeClr>
+                </a:solidFill>
+              </a:rPr>
+              <a:t>1+6+1 = 8      </a:t>
+            </a:r>
+            <a:r>
+              <a:rPr lang="pt-BR" dirty="0">
+                <a:solidFill>
+                  <a:srgbClr val="FF0000"/>
+                </a:solidFill>
+              </a:rPr>
+              <a:t>14641 é divisível por 11</a:t>
+            </a:r>
+          </a:p>
+          <a:p>
+            <a:pPr marL="0" indent="0">
+              <a:buNone/>
+            </a:pPr>
+            <a:endParaRPr lang="pt-BR" dirty="0">
+              <a:solidFill>
+                <a:schemeClr val="tx1">
+                  <a:lumMod val="75000"/>
+                </a:schemeClr>
+              </a:solidFill>
+            </a:endParaRPr>
+          </a:p>
+          <a:p>
+            <a:pPr marL="0" indent="0">
+              <a:buNone/>
+            </a:pPr>
+            <a:r>
+              <a:rPr lang="pt-BR" dirty="0">
+                <a:solidFill>
+                  <a:schemeClr val="tx1">
+                    <a:lumMod val="75000"/>
+                  </a:schemeClr>
+                </a:solidFill>
+              </a:rPr>
+              <a:t> 8</a:t>
+            </a:r>
+            <a:r>
+              <a:rPr lang="pt-BR" dirty="0">
+                <a:solidFill>
+                  <a:srgbClr val="FF0000"/>
+                </a:solidFill>
+              </a:rPr>
+              <a:t>6</a:t>
+            </a:r>
+            <a:r>
+              <a:rPr lang="pt-BR" dirty="0">
+                <a:solidFill>
+                  <a:schemeClr val="tx1">
+                    <a:lumMod val="75000"/>
+                  </a:schemeClr>
+                </a:solidFill>
+              </a:rPr>
+              <a:t>4</a:t>
+            </a:r>
+            <a:r>
+              <a:rPr lang="pt-BR" dirty="0">
+                <a:solidFill>
+                  <a:srgbClr val="FF0000"/>
+                </a:solidFill>
+              </a:rPr>
+              <a:t>7</a:t>
+            </a:r>
+            <a:r>
+              <a:rPr lang="pt-BR" dirty="0">
+                <a:solidFill>
+                  <a:schemeClr val="tx1">
+                    <a:lumMod val="75000"/>
+                  </a:schemeClr>
+                </a:solidFill>
+              </a:rPr>
+              <a:t> = 6+7 = 13     13-12 = 1 </a:t>
+            </a:r>
+          </a:p>
+          <a:p>
+            <a:pPr marL="0" indent="0">
+              <a:buNone/>
+            </a:pPr>
+            <a:r>
+              <a:rPr lang="pt-BR" sz="2400" dirty="0">
+                <a:solidFill>
+                  <a:schemeClr val="tx1">
+                    <a:lumMod val="75000"/>
+                  </a:schemeClr>
+                </a:solidFill>
+              </a:rPr>
+              <a:t>         </a:t>
+            </a:r>
+            <a:r>
+              <a:rPr lang="pt-BR" dirty="0">
+                <a:solidFill>
+                  <a:schemeClr val="tx1">
+                    <a:lumMod val="75000"/>
+                  </a:schemeClr>
+                </a:solidFill>
+              </a:rPr>
+              <a:t>8+4 = 12      </a:t>
+            </a:r>
+            <a:r>
+              <a:rPr lang="pt-BR" sz="2400" dirty="0">
+                <a:solidFill>
+                  <a:srgbClr val="FF0000"/>
+                </a:solidFill>
+              </a:rPr>
+              <a:t>8647 não é </a:t>
+            </a:r>
+            <a:r>
+              <a:rPr lang="pt-BR" sz="2400" dirty="0" err="1">
+                <a:solidFill>
+                  <a:srgbClr val="FF0000"/>
+                </a:solidFill>
+              </a:rPr>
+              <a:t>div</a:t>
+            </a:r>
+            <a:r>
+              <a:rPr lang="pt-BR" sz="2400" dirty="0">
+                <a:solidFill>
+                  <a:srgbClr val="FF0000"/>
+                </a:solidFill>
+              </a:rPr>
+              <a:t>. por 11 </a:t>
+            </a:r>
+          </a:p>
+          <a:p>
+            <a:pPr marL="0" indent="0">
+              <a:buNone/>
+            </a:pPr>
+            <a:endParaRPr lang="pt-BR" dirty="0">
+              <a:solidFill>
+                <a:schemeClr val="tx1">
+                  <a:lumMod val="75000"/>
+                </a:schemeClr>
+              </a:solidFill>
+            </a:endParaRPr>
+          </a:p>
+        </p:txBody>
+      </p:sp>
+      <p:sp>
+        <p:nvSpPr>
+          <p:cNvPr id="4" name="Chave direita 3"/>
+          <p:cNvSpPr/>
+          <p:nvPr/>
+        </p:nvSpPr>
+        <p:spPr>
+          <a:xfrm>
+            <a:off x="4067944" y="3284984"/>
+            <a:ext cx="216024" cy="914400"/>
+          </a:xfrm>
+          <a:prstGeom prst="rightBrace">
+            <a:avLst/>
+          </a:prstGeom>
+        </p:spPr>
+        <p:style>
+          <a:lnRef idx="1">
+            <a:schemeClr val="accent1"/>
+          </a:lnRef>
+          <a:fillRef idx="0">
+            <a:schemeClr val="accent1"/>
+          </a:fillRef>
+          <a:effectRef idx="0">
+            <a:schemeClr val="accent1"/>
+          </a:effectRef>
+          <a:fontRef idx="minor">
+            <a:schemeClr val="tx1"/>
+          </a:fontRef>
+        </p:style>
+        <p:txBody>
+          <a:bodyPr rtlCol="0" anchor="ctr"/>
+          <a:lstStyle/>
+          <a:p>
+            <a:pPr algn="ctr"/>
+            <a:endParaRPr lang="pt-BR"/>
+          </a:p>
+        </p:txBody>
+      </p:sp>
+      <p:sp>
+        <p:nvSpPr>
+          <p:cNvPr id="5" name="Chave direita 4"/>
+          <p:cNvSpPr/>
+          <p:nvPr/>
+        </p:nvSpPr>
+        <p:spPr>
+          <a:xfrm>
+            <a:off x="3995936" y="4823408"/>
+            <a:ext cx="396044" cy="936104"/>
+          </a:xfrm>
+          <a:prstGeom prst="rightBrace">
+            <a:avLst/>
+          </a:prstGeom>
+        </p:spPr>
+        <p:style>
+          <a:lnRef idx="1">
+            <a:schemeClr val="accent1"/>
+          </a:lnRef>
+          <a:fillRef idx="0">
+            <a:schemeClr val="accent1"/>
+          </a:fillRef>
+          <a:effectRef idx="0">
+            <a:schemeClr val="accent1"/>
+          </a:effectRef>
+          <a:fontRef idx="minor">
+            <a:schemeClr val="tx1"/>
+          </a:fontRef>
+        </p:style>
+        <p:txBody>
+          <a:bodyPr rtlCol="0" anchor="ctr"/>
+          <a:lstStyle/>
+          <a:p>
+            <a:pPr algn="ctr"/>
+            <a:endParaRPr lang="pt-BR"/>
+          </a:p>
+        </p:txBody>
+      </p:sp>
+      <p:sp>
+        <p:nvSpPr>
+          <p:cNvPr id="6" name="Espaço Reservado para Rodapé 5"/>
+          <p:cNvSpPr>
+            <a:spLocks noGrp="1"/>
+          </p:cNvSpPr>
+          <p:nvPr>
+            <p:ph type="ftr" sz="quarter" idx="11"/>
+          </p:nvPr>
+        </p:nvSpPr>
+        <p:spPr/>
+        <p:txBody>
+          <a:bodyPr/>
+          <a:lstStyle/>
+          <a:p>
+            <a:r>
+              <a:rPr lang="pt-BR"/>
+              <a:t>Eric Sampaio</a:t>
+            </a:r>
+          </a:p>
+        </p:txBody>
+      </p:sp>
+      <p:sp>
+        <p:nvSpPr>
+          <p:cNvPr id="7" name="Espaço Reservado para Número de Slide 6"/>
+          <p:cNvSpPr>
+            <a:spLocks noGrp="1"/>
+          </p:cNvSpPr>
+          <p:nvPr>
+            <p:ph type="sldNum" sz="quarter" idx="12"/>
+          </p:nvPr>
+        </p:nvSpPr>
+        <p:spPr/>
+        <p:txBody>
+          <a:bodyPr/>
+          <a:lstStyle/>
+          <a:p>
+            <a:fld id="{2119D8CF-8DEC-4D9F-84EE-ADF04DFF3391}" type="slidenum">
+              <a:rPr lang="pt-BR" smtClean="0"/>
+              <a:t>20</a:t>
+            </a:fld>
+            <a:endParaRPr lang="pt-BR"/>
+          </a:p>
+        </p:txBody>
+      </p:sp>
+    </p:spTree>
+    <p:extLst>
+      <p:ext uri="{BB962C8B-B14F-4D97-AF65-F5344CB8AC3E}">
+        <p14:creationId xmlns:p14="http://schemas.microsoft.com/office/powerpoint/2010/main" val="342527486"/>
+      </p:ext>
+    </p:extLst>
+  </p:cSld>
+  <p:clrMapOvr>
+    <a:masterClrMapping/>
+  </p:clrMapOvr>
+  <mc:AlternateContent xmlns:mc="http://schemas.openxmlformats.org/markup-compatibility/2006" xmlns:p14="http://schemas.microsoft.com/office/powerpoint/2010/main">
+    <mc:Choice Requires="p14">
+      <p:transition spd="med" p14:dur="700">
+        <p:fade/>
+      </p:transition>
+    </mc:Choice>
+    <mc:Fallback xmlns="">
+      <p:transition spd="med">
+        <p:fade/>
+      </p:transition>
+    </mc:Fallback>
+  </mc:AlternateContent>
+</p:sld>
+</file>
+
+<file path=ppt/slides/slide21.xml><?xml version="1.0" encoding="utf-8"?>
+<p:sld xmlns:a="http://schemas.openxmlformats.org/drawingml/2006/main" xmlns:r="http://schemas.openxmlformats.org/officeDocument/2006/relationships" xmlns:p="http://schemas.openxmlformats.org/presentationml/2006/main">
+  <p:cSld>
+    <p:spTree>
+      <p:nvGrpSpPr>
+        <p:cNvPr id="1" name=""/>
+        <p:cNvGrpSpPr/>
+        <p:nvPr/>
+      </p:nvGrpSpPr>
+      <p:grpSpPr>
+        <a:xfrm>
+          <a:off x="0" y="0"/>
+          <a:ext cx="0" cy="0"/>
+          <a:chOff x="0" y="0"/>
+          <a:chExt cx="0" cy="0"/>
+        </a:xfrm>
+      </p:grpSpPr>
+      <p:sp>
+        <p:nvSpPr>
+          <p:cNvPr id="2" name="Título 1"/>
+          <p:cNvSpPr>
+            <a:spLocks noGrp="1"/>
+          </p:cNvSpPr>
+          <p:nvPr>
+            <p:ph type="title"/>
+          </p:nvPr>
+        </p:nvSpPr>
+        <p:spPr/>
+        <p:txBody>
+          <a:bodyPr/>
+          <a:lstStyle/>
+          <a:p>
+            <a:r>
+              <a:rPr lang="pt-BR" dirty="0"/>
+              <a:t>Números Primos</a:t>
+            </a:r>
+          </a:p>
+        </p:txBody>
+      </p:sp>
+      <p:sp>
+        <p:nvSpPr>
+          <p:cNvPr id="3" name="Espaço Reservado para Conteúdo 2"/>
+          <p:cNvSpPr>
+            <a:spLocks noGrp="1"/>
+          </p:cNvSpPr>
+          <p:nvPr>
+            <p:ph idx="1"/>
+          </p:nvPr>
+        </p:nvSpPr>
+        <p:spPr/>
+        <p:txBody>
+          <a:bodyPr/>
+          <a:lstStyle/>
+          <a:p>
+            <a:r>
+              <a:rPr lang="pt-BR" dirty="0"/>
+              <a:t>Um número é considerado primo quando este número tem apenas dois divisores: 1 e ele próprio.</a:t>
+            </a:r>
+          </a:p>
+          <a:p>
+            <a:endParaRPr lang="pt-BR" dirty="0"/>
+          </a:p>
+          <a:p>
+            <a:r>
+              <a:rPr lang="pt-BR" dirty="0"/>
+              <a:t>2, 3, 5, 7, 11, 13,...</a:t>
+            </a:r>
+          </a:p>
+          <a:p>
+            <a:endParaRPr lang="pt-BR" dirty="0"/>
+          </a:p>
+        </p:txBody>
+      </p:sp>
+      <p:sp>
+        <p:nvSpPr>
+          <p:cNvPr id="4" name="Espaço Reservado para Rodapé 3"/>
+          <p:cNvSpPr>
+            <a:spLocks noGrp="1"/>
+          </p:cNvSpPr>
+          <p:nvPr>
+            <p:ph type="ftr" sz="quarter" idx="11"/>
+          </p:nvPr>
+        </p:nvSpPr>
+        <p:spPr/>
+        <p:txBody>
+          <a:bodyPr/>
+          <a:lstStyle/>
+          <a:p>
+            <a:r>
+              <a:rPr lang="pt-BR"/>
+              <a:t>Eric Sampaio</a:t>
+            </a:r>
+          </a:p>
+        </p:txBody>
+      </p:sp>
+      <p:sp>
+        <p:nvSpPr>
+          <p:cNvPr id="5" name="Espaço Reservado para Número de Slide 4"/>
+          <p:cNvSpPr>
+            <a:spLocks noGrp="1"/>
+          </p:cNvSpPr>
+          <p:nvPr>
+            <p:ph type="sldNum" sz="quarter" idx="12"/>
+          </p:nvPr>
+        </p:nvSpPr>
+        <p:spPr/>
+        <p:txBody>
+          <a:bodyPr/>
+          <a:lstStyle/>
+          <a:p>
+            <a:fld id="{2119D8CF-8DEC-4D9F-84EE-ADF04DFF3391}" type="slidenum">
+              <a:rPr lang="pt-BR" smtClean="0"/>
+              <a:t>21</a:t>
+            </a:fld>
+            <a:endParaRPr lang="pt-BR"/>
+          </a:p>
+        </p:txBody>
+      </p:sp>
+    </p:spTree>
+    <p:extLst>
+      <p:ext uri="{BB962C8B-B14F-4D97-AF65-F5344CB8AC3E}">
+        <p14:creationId xmlns:p14="http://schemas.microsoft.com/office/powerpoint/2010/main" val="3377603359"/>
+      </p:ext>
+    </p:extLst>
+  </p:cSld>
+  <p:clrMapOvr>
+    <a:masterClrMapping/>
+  </p:clrMapOvr>
+  <mc:AlternateContent xmlns:mc="http://schemas.openxmlformats.org/markup-compatibility/2006" xmlns:p14="http://schemas.microsoft.com/office/powerpoint/2010/main">
+    <mc:Choice Requires="p14">
+      <p:transition spd="med" p14:dur="700">
+        <p:fade/>
+      </p:transition>
+    </mc:Choice>
+    <mc:Fallback xmlns="">
+      <p:transition spd="med">
+        <p:fade/>
+      </p:transition>
+    </mc:Fallback>
+  </mc:AlternateContent>
+</p:sld>
+</file>
+
+<file path=ppt/slides/slide22.xml><?xml version="1.0" encoding="utf-8"?>
+<p:sld xmlns:a="http://schemas.openxmlformats.org/drawingml/2006/main" xmlns:r="http://schemas.openxmlformats.org/officeDocument/2006/relationships" xmlns:p="http://schemas.openxmlformats.org/presentationml/2006/main">
+  <p:cSld>
+    <p:spTree>
+      <p:nvGrpSpPr>
+        <p:cNvPr id="1" name=""/>
+        <p:cNvGrpSpPr/>
+        <p:nvPr/>
+      </p:nvGrpSpPr>
+      <p:grpSpPr>
+        <a:xfrm>
+          <a:off x="0" y="0"/>
+          <a:ext cx="0" cy="0"/>
+          <a:chOff x="0" y="0"/>
+          <a:chExt cx="0" cy="0"/>
+        </a:xfrm>
+      </p:grpSpPr>
+      <p:sp>
+        <p:nvSpPr>
           <p:cNvPr id="2" name="Título 1"/>
           <p:cNvSpPr>
             <a:spLocks noGrp="1"/>
@@ -13188,9 +14949,61 @@
           <a:p>
             <a:fld id="{2119D8CF-8DEC-4D9F-84EE-ADF04DFF3391}" type="slidenum">
               <a:rPr lang="pt-BR" smtClean="0"/>
-              <a:t>16</a:t>
+              <a:t>22</a:t>
             </a:fld>
             <a:endParaRPr lang="pt-BR" dirty="0"/>
+          </a:p>
+        </p:txBody>
+      </p:sp>
+      <p:sp>
+        <p:nvSpPr>
+          <p:cNvPr id="3" name="Retângulo 2">
+            <a:extLst>
+              <a:ext uri="{FF2B5EF4-FFF2-40B4-BE49-F238E27FC236}">
+                <a16:creationId xmlns:a16="http://schemas.microsoft.com/office/drawing/2014/main" id="{506E4DDA-3D84-41C9-B979-9E08A4FB0C00}"/>
+              </a:ext>
+            </a:extLst>
+          </p:cNvPr>
+          <p:cNvSpPr/>
+          <p:nvPr/>
+        </p:nvSpPr>
+        <p:spPr>
+          <a:xfrm>
+            <a:off x="1331640" y="1628800"/>
+            <a:ext cx="360040" cy="360040"/>
+          </a:xfrm>
+          <a:prstGeom prst="rect">
+            <a:avLst/>
+          </a:prstGeom>
+          <a:solidFill>
+            <a:schemeClr val="bg1"/>
+          </a:solidFill>
+          <a:ln>
+            <a:noFill/>
+          </a:ln>
+        </p:spPr>
+        <p:style>
+          <a:lnRef idx="2">
+            <a:schemeClr val="accent1">
+              <a:shade val="50000"/>
+            </a:schemeClr>
+          </a:lnRef>
+          <a:fillRef idx="1">
+            <a:schemeClr val="accent1"/>
+          </a:fillRef>
+          <a:effectRef idx="0">
+            <a:schemeClr val="accent1"/>
+          </a:effectRef>
+          <a:fontRef idx="minor">
+            <a:schemeClr val="lt1"/>
+          </a:fontRef>
+        </p:style>
+        <p:txBody>
+          <a:bodyPr rtlCol="0" anchor="ctr"/>
+          <a:lstStyle/>
+          <a:p>
+            <a:pPr algn="ctr"/>
+            <a:endParaRPr lang="pt-BR"/>
           </a:p>
         </p:txBody>
       </p:sp>
@@ -15987,7 +17800,7 @@
 </p:sld>
 </file>
 
-<file path=ppt/slides/slide17.xml><?xml version="1.0" encoding="utf-8"?>
+<file path=ppt/slides/slide23.xml><?xml version="1.0" encoding="utf-8"?>
 <p:sld xmlns:a="http://schemas.openxmlformats.org/drawingml/2006/main" xmlns:r="http://schemas.openxmlformats.org/officeDocument/2006/relationships" xmlns:p="http://schemas.openxmlformats.org/presentationml/2006/main">
   <p:cSld>
     <p:spTree>
@@ -16142,7 +17955,7 @@
           <a:p>
             <a:fld id="{2119D8CF-8DEC-4D9F-84EE-ADF04DFF3391}" type="slidenum">
               <a:rPr lang="pt-BR" smtClean="0"/>
-              <a:t>17</a:t>
+              <a:t>23</a:t>
             </a:fld>
             <a:endParaRPr lang="pt-BR"/>
           </a:p>
@@ -16152,212 +17965,6 @@
     <p:extLst>
       <p:ext uri="{BB962C8B-B14F-4D97-AF65-F5344CB8AC3E}">
         <p14:creationId xmlns:p14="http://schemas.microsoft.com/office/powerpoint/2010/main" val="1901885124"/>
-      </p:ext>
-    </p:extLst>
-  </p:cSld>
-  <p:clrMapOvr>
-    <a:masterClrMapping/>
-  </p:clrMapOvr>
-  <mc:AlternateContent xmlns:mc="http://schemas.openxmlformats.org/markup-compatibility/2006" xmlns:p14="http://schemas.microsoft.com/office/powerpoint/2010/main">
-    <mc:Choice Requires="p14">
-      <p:transition spd="med" p14:dur="700">
-        <p:fade/>
-      </p:transition>
-    </mc:Choice>
-    <mc:Fallback xmlns="">
-      <p:transition spd="med">
-        <p:fade/>
-      </p:transition>
-    </mc:Fallback>
-  </mc:AlternateContent>
-</p:sld>
-</file>
-
-<file path=ppt/slides/slide2.xml><?xml version="1.0" encoding="utf-8"?>
-<p:sld xmlns:a="http://schemas.openxmlformats.org/drawingml/2006/main" xmlns:r="http://schemas.openxmlformats.org/officeDocument/2006/relationships" xmlns:p="http://schemas.openxmlformats.org/presentationml/2006/main">
-  <p:cSld>
-    <p:spTree>
-      <p:nvGrpSpPr>
-        <p:cNvPr id="1" name=""/>
-        <p:cNvGrpSpPr/>
-        <p:nvPr/>
-      </p:nvGrpSpPr>
-      <p:grpSpPr>
-        <a:xfrm>
-          <a:off x="0" y="0"/>
-          <a:ext cx="0" cy="0"/>
-          <a:chOff x="0" y="0"/>
-          <a:chExt cx="0" cy="0"/>
-        </a:xfrm>
-      </p:grpSpPr>
-      <p:sp>
-        <p:nvSpPr>
-          <p:cNvPr id="2" name="Título 1"/>
-          <p:cNvSpPr>
-            <a:spLocks noGrp="1"/>
-          </p:cNvSpPr>
-          <p:nvPr>
-            <p:ph type="title"/>
-          </p:nvPr>
-        </p:nvSpPr>
-        <p:spPr/>
-        <p:txBody>
-          <a:bodyPr/>
-          <a:lstStyle/>
-          <a:p>
-            <a:r>
-              <a:rPr lang="pt-BR" dirty="0"/>
-              <a:t>Agenda</a:t>
-            </a:r>
-          </a:p>
-        </p:txBody>
-      </p:sp>
-      <p:sp>
-        <p:nvSpPr>
-          <p:cNvPr id="3" name="Espaço Reservado para Conteúdo 2"/>
-          <p:cNvSpPr>
-            <a:spLocks noGrp="1"/>
-          </p:cNvSpPr>
-          <p:nvPr>
-            <p:ph idx="1"/>
-          </p:nvPr>
-        </p:nvSpPr>
-        <p:spPr/>
-        <p:txBody>
-          <a:bodyPr/>
-          <a:lstStyle/>
-          <a:p>
-            <a:r>
-              <a:rPr lang="pt-BR" dirty="0"/>
-              <a:t>Critérios de divisibilidade</a:t>
-            </a:r>
-          </a:p>
-          <a:p>
-            <a:pPr lvl="1"/>
-            <a:r>
-              <a:rPr lang="pt-BR" dirty="0"/>
-              <a:t>Divisibilidade por 2; </a:t>
-            </a:r>
-            <a:r>
-              <a:rPr lang="pt-BR" b="1" dirty="0">
-                <a:solidFill>
-                  <a:srgbClr val="FF0000"/>
-                </a:solidFill>
-              </a:rPr>
-              <a:t>4</a:t>
-            </a:r>
-          </a:p>
-          <a:p>
-            <a:pPr lvl="1"/>
-            <a:r>
-              <a:rPr lang="pt-BR" dirty="0"/>
-              <a:t>Divisibilidade por 3; </a:t>
-            </a:r>
-            <a:r>
-              <a:rPr lang="pt-BR" b="1" dirty="0">
-                <a:solidFill>
-                  <a:srgbClr val="FF0000"/>
-                </a:solidFill>
-              </a:rPr>
-              <a:t>6</a:t>
-            </a:r>
-            <a:r>
-              <a:rPr lang="pt-BR" dirty="0"/>
-              <a:t>  e  </a:t>
-            </a:r>
-            <a:r>
-              <a:rPr lang="pt-BR" b="1" dirty="0">
-                <a:solidFill>
-                  <a:srgbClr val="FF0000"/>
-                </a:solidFill>
-              </a:rPr>
-              <a:t>9</a:t>
-            </a:r>
-          </a:p>
-          <a:p>
-            <a:pPr lvl="1"/>
-            <a:r>
-              <a:rPr lang="pt-BR" dirty="0"/>
-              <a:t>Divisibilidade por 5;</a:t>
-            </a:r>
-          </a:p>
-          <a:p>
-            <a:pPr lvl="1"/>
-            <a:r>
-              <a:rPr lang="pt-BR" dirty="0"/>
-              <a:t>Divisibilidade por 7;</a:t>
-            </a:r>
-          </a:p>
-          <a:p>
-            <a:pPr lvl="1"/>
-            <a:r>
-              <a:rPr lang="pt-BR" dirty="0"/>
-              <a:t>Divisibilidade por 11;</a:t>
-            </a:r>
-          </a:p>
-          <a:p>
-            <a:r>
-              <a:rPr lang="pt-BR" dirty="0"/>
-              <a:t>Números primos</a:t>
-            </a:r>
-          </a:p>
-          <a:p>
-            <a:r>
-              <a:rPr lang="pt-BR" dirty="0"/>
-              <a:t>Crivo de Eratóstenes;</a:t>
-            </a:r>
-          </a:p>
-        </p:txBody>
-      </p:sp>
-      <p:sp>
-        <p:nvSpPr>
-          <p:cNvPr id="4" name="Espaço Reservado para Rodapé 3"/>
-          <p:cNvSpPr>
-            <a:spLocks noGrp="1"/>
-          </p:cNvSpPr>
-          <p:nvPr>
-            <p:ph type="ftr" sz="quarter" idx="11"/>
-          </p:nvPr>
-        </p:nvSpPr>
-        <p:spPr/>
-        <p:txBody>
-          <a:bodyPr/>
-          <a:lstStyle/>
-          <a:p>
-            <a:r>
-              <a:rPr lang="pt-BR"/>
-              <a:t>Eric Sampaio</a:t>
-            </a:r>
-          </a:p>
-        </p:txBody>
-      </p:sp>
-      <p:sp>
-        <p:nvSpPr>
-          <p:cNvPr id="5" name="Espaço Reservado para Número de Slide 4"/>
-          <p:cNvSpPr>
-            <a:spLocks noGrp="1"/>
-          </p:cNvSpPr>
-          <p:nvPr>
-            <p:ph type="sldNum" sz="quarter" idx="12"/>
-          </p:nvPr>
-        </p:nvSpPr>
-        <p:spPr/>
-        <p:txBody>
-          <a:bodyPr/>
-          <a:lstStyle/>
-          <a:p>
-            <a:fld id="{2119D8CF-8DEC-4D9F-84EE-ADF04DFF3391}" type="slidenum">
-              <a:rPr lang="pt-BR" smtClean="0"/>
-              <a:t>2</a:t>
-            </a:fld>
-            <a:endParaRPr lang="pt-BR"/>
-          </a:p>
-        </p:txBody>
-      </p:sp>
-    </p:spTree>
-    <p:extLst>
-      <p:ext uri="{BB962C8B-B14F-4D97-AF65-F5344CB8AC3E}">
-        <p14:creationId xmlns:p14="http://schemas.microsoft.com/office/powerpoint/2010/main" val="4271518158"/>
       </p:ext>
     </p:extLst>
   </p:cSld>
@@ -17287,7 +18894,7 @@
             </a:pPr>
             <a:r>
               <a:rPr lang="pt-BR" dirty="0"/>
-              <a:t>Soma todos os algarismos, se o resultado da soma for um número múltiplo de 3, então esse número inicial também é.</a:t>
+              <a:t>Soma todos os algarismos, se o resultado for um número múltiplo de 3, então esse número em questão também é.</a:t>
             </a:r>
           </a:p>
           <a:p>
@@ -17541,7 +19148,7 @@
             </a:pPr>
             <a:r>
               <a:rPr lang="pt-BR" dirty="0"/>
-              <a:t>Soma todos os algarismos, se o resultado da soma for um número múltiplo de 3, então esse número inicial também é.</a:t>
+              <a:t>Soma todos os algarismos, se o resultado for um número múltiplo de 3, então esse número em questão também é.</a:t>
             </a:r>
           </a:p>
           <a:p>
@@ -17744,7 +19351,13 @@
       </p:grpSpPr>
       <p:sp>
         <p:nvSpPr>
-          <p:cNvPr id="2" name="Título 1"/>
+          <p:cNvPr id="2" name="Título 1">
+            <a:extLst>
+              <a:ext uri="{FF2B5EF4-FFF2-40B4-BE49-F238E27FC236}">
+                <a16:creationId xmlns:a16="http://schemas.microsoft.com/office/drawing/2014/main" id="{513FC83A-52D7-4AD4-BBAA-13B4E2F7C554}"/>
+              </a:ext>
+            </a:extLst>
+          </p:cNvPr>
           <p:cNvSpPr>
             <a:spLocks noGrp="1"/>
           </p:cNvSpPr>
@@ -17759,14 +19372,20 @@
           <a:p>
             <a:r>
               <a:rPr lang="pt-BR" dirty="0"/>
-              <a:t>Divisibilidade por 5</a:t>
-            </a:r>
-          </a:p>
-        </p:txBody>
-      </p:sp>
-      <p:sp>
-        <p:nvSpPr>
-          <p:cNvPr id="3" name="Espaço Reservado para Conteúdo 2"/>
+              <a:t>Divisibilidade por 4</a:t>
+            </a:r>
+          </a:p>
+        </p:txBody>
+      </p:sp>
+      <p:sp>
+        <p:nvSpPr>
+          <p:cNvPr id="3" name="Espaço Reservado para Conteúdo 2">
+            <a:extLst>
+              <a:ext uri="{FF2B5EF4-FFF2-40B4-BE49-F238E27FC236}">
+                <a16:creationId xmlns:a16="http://schemas.microsoft.com/office/drawing/2014/main" id="{C2020454-9399-48B7-BDFD-E09FB947FCF9}"/>
+              </a:ext>
+            </a:extLst>
+          </p:cNvPr>
           <p:cNvSpPr>
             <a:spLocks noGrp="1"/>
           </p:cNvSpPr>
@@ -17776,25 +19395,126 @@
         </p:nvSpPr>
         <p:spPr/>
         <p:txBody>
-          <a:bodyPr/>
+          <a:bodyPr>
+            <a:normAutofit/>
+          </a:bodyPr>
           <a:lstStyle/>
           <a:p>
             <a:r>
               <a:rPr lang="pt-BR" dirty="0"/>
-              <a:t>Todo número que termina com 0 ou 5;</a:t>
-            </a:r>
-          </a:p>
-          <a:p>
-            <a:r>
+              <a:t>Temos duas opções para saber se um número é divisível por 4.</a:t>
+            </a:r>
+            <a:br>
               <a:rPr lang="pt-BR" dirty="0"/>
-              <a:t>Ex.: 5, 10, 15, 25,190,2.125,84.320,...</a:t>
-            </a:r>
-          </a:p>
-        </p:txBody>
-      </p:sp>
-      <p:sp>
-        <p:nvSpPr>
-          <p:cNvPr id="4" name="Espaço Reservado para Rodapé 3"/>
+            </a:br>
+            <a:r>
+              <a:rPr lang="pt-BR" dirty="0">
+                <a:solidFill>
+                  <a:schemeClr val="accent1">
+                    <a:lumMod val="50000"/>
+                  </a:schemeClr>
+                </a:solidFill>
+              </a:rPr>
+              <a:t>1-T</a:t>
+            </a:r>
+            <a:r>
+              <a:rPr lang="pt-BR" b="0" i="0" dirty="0">
+                <a:solidFill>
+                  <a:schemeClr val="accent1">
+                    <a:lumMod val="50000"/>
+                  </a:schemeClr>
+                </a:solidFill>
+                <a:effectLst/>
+              </a:rPr>
+              <a:t>odo número que termina em 00;</a:t>
+            </a:r>
+          </a:p>
+          <a:p>
+            <a:r>
+              <a:rPr lang="pt-BR" dirty="0">
+                <a:solidFill>
+                  <a:schemeClr val="accent1">
+                    <a:lumMod val="50000"/>
+                  </a:schemeClr>
+                </a:solidFill>
+              </a:rPr>
+              <a:t>2-N</a:t>
+            </a:r>
+            <a:r>
+              <a:rPr lang="pt-BR" b="0" i="0" dirty="0">
+                <a:solidFill>
+                  <a:schemeClr val="accent1">
+                    <a:lumMod val="50000"/>
+                  </a:schemeClr>
+                </a:solidFill>
+                <a:effectLst/>
+              </a:rPr>
+              <a:t>úmero formado pelos dois últimos algarismos for divisível por 4.</a:t>
+            </a:r>
+          </a:p>
+          <a:p>
+            <a:endParaRPr lang="pt-BR" dirty="0">
+              <a:solidFill>
+                <a:srgbClr val="000000"/>
+              </a:solidFill>
+              <a:latin typeface="Raleway"/>
+            </a:endParaRPr>
+          </a:p>
+          <a:p>
+            <a:r>
+              <a:rPr lang="pt-BR" dirty="0">
+                <a:solidFill>
+                  <a:srgbClr val="000000"/>
+                </a:solidFill>
+                <a:latin typeface="Raleway"/>
+              </a:rPr>
+              <a:t>1500 </a:t>
+            </a:r>
+          </a:p>
+          <a:p>
+            <a:r>
+              <a:rPr lang="pt-BR" dirty="0">
+                <a:solidFill>
+                  <a:srgbClr val="000000"/>
+                </a:solidFill>
+                <a:latin typeface="Raleway"/>
+              </a:rPr>
+              <a:t>3628</a:t>
+            </a:r>
+          </a:p>
+          <a:p>
+            <a:r>
+              <a:rPr lang="pt-BR" dirty="0">
+                <a:solidFill>
+                  <a:srgbClr val="000000"/>
+                </a:solidFill>
+                <a:latin typeface="Raleway"/>
+              </a:rPr>
+              <a:t>1352 </a:t>
+            </a:r>
+          </a:p>
+          <a:p>
+            <a:endParaRPr lang="pt-BR" dirty="0">
+              <a:solidFill>
+                <a:srgbClr val="000000"/>
+              </a:solidFill>
+              <a:latin typeface="Raleway"/>
+            </a:endParaRPr>
+          </a:p>
+          <a:p>
+            <a:endParaRPr lang="pt-BR" dirty="0"/>
+          </a:p>
+        </p:txBody>
+      </p:sp>
+      <p:sp>
+        <p:nvSpPr>
+          <p:cNvPr id="4" name="Espaço Reservado para Rodapé 3">
+            <a:extLst>
+              <a:ext uri="{FF2B5EF4-FFF2-40B4-BE49-F238E27FC236}">
+                <a16:creationId xmlns:a16="http://schemas.microsoft.com/office/drawing/2014/main" id="{97330224-2C40-4911-940D-1DF831D6A8FE}"/>
+              </a:ext>
+            </a:extLst>
+          </p:cNvPr>
           <p:cNvSpPr>
             <a:spLocks noGrp="1"/>
           </p:cNvSpPr>
@@ -17816,7 +19536,13 @@
       </p:sp>
       <p:sp>
         <p:nvSpPr>
-          <p:cNvPr id="5" name="Espaço Reservado para Número de Slide 4"/>
+          <p:cNvPr id="5" name="Espaço Reservado para Número de Slide 4">
+            <a:extLst>
+              <a:ext uri="{FF2B5EF4-FFF2-40B4-BE49-F238E27FC236}">
+                <a16:creationId xmlns:a16="http://schemas.microsoft.com/office/drawing/2014/main" id="{0F3FD3E7-1A97-49CA-B11A-9537B71B516F}"/>
+              </a:ext>
+            </a:extLst>
+          </p:cNvPr>
           <p:cNvSpPr>
             <a:spLocks noGrp="1"/>
           </p:cNvSpPr>
@@ -17840,7 +19566,7 @@
     </p:spTree>
     <p:extLst>
       <p:ext uri="{BB962C8B-B14F-4D97-AF65-F5344CB8AC3E}">
-        <p14:creationId xmlns:p14="http://schemas.microsoft.com/office/powerpoint/2010/main" val="3628114401"/>
+        <p14:creationId xmlns:p14="http://schemas.microsoft.com/office/powerpoint/2010/main" val="329438631"/>
       </p:ext>
     </p:extLst>
   </p:cSld>
@@ -17881,7 +19607,13 @@
       </p:grpSpPr>
       <p:sp>
         <p:nvSpPr>
-          <p:cNvPr id="2" name="Título 1"/>
+          <p:cNvPr id="2" name="Título 1">
+            <a:extLst>
+              <a:ext uri="{FF2B5EF4-FFF2-40B4-BE49-F238E27FC236}">
+                <a16:creationId xmlns:a16="http://schemas.microsoft.com/office/drawing/2014/main" id="{513FC83A-52D7-4AD4-BBAA-13B4E2F7C554}"/>
+              </a:ext>
+            </a:extLst>
+          </p:cNvPr>
           <p:cNvSpPr>
             <a:spLocks noGrp="1"/>
           </p:cNvSpPr>
@@ -17896,14 +19628,20 @@
           <a:p>
             <a:r>
               <a:rPr lang="pt-BR" dirty="0"/>
-              <a:t>Divisibilidade por 6</a:t>
-            </a:r>
-          </a:p>
-        </p:txBody>
-      </p:sp>
-      <p:sp>
-        <p:nvSpPr>
-          <p:cNvPr id="3" name="Espaço Reservado para Conteúdo 2"/>
+              <a:t>Divisibilidade por 4</a:t>
+            </a:r>
+          </a:p>
+        </p:txBody>
+      </p:sp>
+      <p:sp>
+        <p:nvSpPr>
+          <p:cNvPr id="3" name="Espaço Reservado para Conteúdo 2">
+            <a:extLst>
+              <a:ext uri="{FF2B5EF4-FFF2-40B4-BE49-F238E27FC236}">
+                <a16:creationId xmlns:a16="http://schemas.microsoft.com/office/drawing/2014/main" id="{C2020454-9399-48B7-BDFD-E09FB947FCF9}"/>
+              </a:ext>
+            </a:extLst>
+          </p:cNvPr>
           <p:cNvSpPr>
             <a:spLocks noGrp="1"/>
           </p:cNvSpPr>
@@ -17911,83 +19649,213 @@
             <p:ph idx="1"/>
           </p:nvPr>
         </p:nvSpPr>
-        <p:spPr/>
+        <p:spPr>
+          <a:xfrm>
+            <a:off x="1195389" y="1600200"/>
+            <a:ext cx="7339012" cy="4756152"/>
+          </a:xfrm>
+        </p:spPr>
         <p:txBody>
           <a:bodyPr>
-            <a:normAutofit/>
+            <a:noAutofit/>
           </a:bodyPr>
           <a:lstStyle/>
           <a:p>
-            <a:pPr marL="0" indent="0">
-              <a:buNone/>
-            </a:pPr>
             <a:r>
               <a:rPr lang="pt-BR" dirty="0"/>
-              <a:t>Um número é divisível por 6 se o número for divisível por 2 e por 3 ao mesmo tempo.</a:t>
-            </a:r>
-          </a:p>
-          <a:p>
-            <a:pPr marL="0" indent="0">
-              <a:buNone/>
-            </a:pPr>
-            <a:r>
+              <a:t>Temos duas opções para saber se um número é divisível por 4.</a:t>
+            </a:r>
+            <a:br>
               <a:rPr lang="pt-BR" dirty="0"/>
-              <a:t>Ex.: Quais números são divisíveis por 6?</a:t>
-            </a:r>
-          </a:p>
-          <a:p>
-            <a:pPr marL="514350" indent="-514350">
-              <a:buAutoNum type="alphaLcParenR"/>
-            </a:pPr>
-            <a:r>
-              <a:rPr lang="pt-BR" dirty="0"/>
-              <a:t>174</a:t>
-            </a:r>
-          </a:p>
-          <a:p>
-            <a:pPr marL="514350" indent="-514350">
-              <a:buAutoNum type="alphaLcParenR"/>
-            </a:pPr>
-            <a:r>
-              <a:rPr lang="pt-BR" dirty="0"/>
-              <a:t>1252</a:t>
-            </a:r>
-          </a:p>
-          <a:p>
-            <a:pPr marL="514350" indent="-514350">
-              <a:buAutoNum type="alphaLcParenR"/>
-            </a:pPr>
-            <a:r>
-              <a:rPr lang="pt-BR" dirty="0"/>
-              <a:t>271</a:t>
-            </a:r>
-          </a:p>
-          <a:p>
-            <a:pPr marL="514350" indent="-514350">
-              <a:buAutoNum type="alphaLcParenR"/>
-            </a:pPr>
-            <a:r>
-              <a:rPr lang="pt-BR" dirty="0"/>
-              <a:t>1197</a:t>
-            </a:r>
-          </a:p>
-          <a:p>
-            <a:pPr marL="0" indent="0">
-              <a:buNone/>
-            </a:pPr>
+            </a:br>
+            <a:r>
+              <a:rPr lang="pt-BR" dirty="0">
+                <a:solidFill>
+                  <a:schemeClr val="accent1">
+                    <a:lumMod val="50000"/>
+                  </a:schemeClr>
+                </a:solidFill>
+              </a:rPr>
+              <a:t>1-T</a:t>
+            </a:r>
+            <a:r>
+              <a:rPr lang="pt-BR" b="0" i="0" dirty="0">
+                <a:solidFill>
+                  <a:schemeClr val="accent1">
+                    <a:lumMod val="50000"/>
+                  </a:schemeClr>
+                </a:solidFill>
+                <a:effectLst/>
+              </a:rPr>
+              <a:t>odo número que termina em 00;</a:t>
+            </a:r>
+          </a:p>
+          <a:p>
+            <a:r>
+              <a:rPr lang="pt-BR" dirty="0">
+                <a:solidFill>
+                  <a:schemeClr val="accent1">
+                    <a:lumMod val="50000"/>
+                  </a:schemeClr>
+                </a:solidFill>
+              </a:rPr>
+              <a:t>2-N</a:t>
+            </a:r>
+            <a:r>
+              <a:rPr lang="pt-BR" b="0" i="0" dirty="0">
+                <a:solidFill>
+                  <a:schemeClr val="accent1">
+                    <a:lumMod val="50000"/>
+                  </a:schemeClr>
+                </a:solidFill>
+                <a:effectLst/>
+              </a:rPr>
+              <a:t>úmero formado pelos dois últimos algarismos for divisível por 4.</a:t>
+            </a:r>
+          </a:p>
+          <a:p>
+            <a:endParaRPr lang="pt-BR" dirty="0">
+              <a:solidFill>
+                <a:srgbClr val="000000"/>
+              </a:solidFill>
+              <a:latin typeface="Raleway"/>
+            </a:endParaRPr>
+          </a:p>
+          <a:p>
+            <a:r>
+              <a:rPr lang="pt-BR" dirty="0">
+                <a:solidFill>
+                  <a:srgbClr val="000000"/>
+                </a:solidFill>
+                <a:latin typeface="Raleway"/>
+              </a:rPr>
+              <a:t>1500 </a:t>
+            </a:r>
+            <a:r>
+              <a:rPr lang="pt-BR" dirty="0">
+                <a:solidFill>
+                  <a:srgbClr val="00B050"/>
+                </a:solidFill>
+                <a:latin typeface="Raleway"/>
+              </a:rPr>
+              <a:t>Sim</a:t>
+            </a:r>
+            <a:r>
+              <a:rPr lang="pt-BR" dirty="0">
+                <a:solidFill>
+                  <a:srgbClr val="000000"/>
+                </a:solidFill>
+                <a:latin typeface="Raleway"/>
+              </a:rPr>
+              <a:t>, pois termina com 00</a:t>
+            </a:r>
+          </a:p>
+          <a:p>
+            <a:r>
+              <a:rPr lang="pt-BR" dirty="0">
+                <a:solidFill>
+                  <a:srgbClr val="000000"/>
+                </a:solidFill>
+                <a:latin typeface="Raleway"/>
+              </a:rPr>
+              <a:t>3628 </a:t>
+            </a:r>
+            <a:r>
+              <a:rPr lang="pt-BR" dirty="0">
+                <a:solidFill>
+                  <a:srgbClr val="00B050"/>
+                </a:solidFill>
+                <a:latin typeface="Raleway"/>
+              </a:rPr>
+              <a:t>Sim</a:t>
+            </a:r>
+            <a:r>
+              <a:rPr lang="pt-BR" dirty="0">
+                <a:solidFill>
+                  <a:srgbClr val="000000"/>
+                </a:solidFill>
+                <a:latin typeface="Raleway"/>
+              </a:rPr>
+              <a:t>, pois o final 28 é </a:t>
+            </a:r>
+            <a:r>
+              <a:rPr lang="pt-BR" dirty="0" err="1">
+                <a:solidFill>
+                  <a:srgbClr val="000000"/>
+                </a:solidFill>
+                <a:latin typeface="Raleway"/>
+              </a:rPr>
+              <a:t>div</a:t>
+            </a:r>
+            <a:r>
+              <a:rPr lang="pt-BR" dirty="0">
+                <a:solidFill>
+                  <a:srgbClr val="000000"/>
+                </a:solidFill>
+                <a:latin typeface="Raleway"/>
+              </a:rPr>
+              <a:t>. por  4</a:t>
+            </a:r>
+          </a:p>
+          <a:p>
+            <a:r>
+              <a:rPr lang="pt-BR" dirty="0">
+                <a:solidFill>
+                  <a:srgbClr val="000000"/>
+                </a:solidFill>
+                <a:latin typeface="Raleway"/>
+              </a:rPr>
+              <a:t>1352 </a:t>
+            </a:r>
+            <a:r>
+              <a:rPr lang="pt-BR" dirty="0">
+                <a:solidFill>
+                  <a:srgbClr val="FF0000"/>
+                </a:solidFill>
+                <a:latin typeface="Raleway"/>
+              </a:rPr>
+              <a:t>Não</a:t>
+            </a:r>
+            <a:r>
+              <a:rPr lang="pt-BR" dirty="0">
+                <a:solidFill>
+                  <a:srgbClr val="000000"/>
+                </a:solidFill>
+                <a:latin typeface="Raleway"/>
+              </a:rPr>
+              <a:t>, pois não termina com 00 e o final 52 não é </a:t>
+            </a:r>
+            <a:r>
+              <a:rPr lang="pt-BR" dirty="0" err="1">
+                <a:solidFill>
+                  <a:srgbClr val="000000"/>
+                </a:solidFill>
+                <a:latin typeface="Raleway"/>
+              </a:rPr>
+              <a:t>div</a:t>
+            </a:r>
+            <a:r>
+              <a:rPr lang="pt-BR" dirty="0">
+                <a:solidFill>
+                  <a:srgbClr val="000000"/>
+                </a:solidFill>
+                <a:latin typeface="Raleway"/>
+              </a:rPr>
+              <a:t>. por 4</a:t>
+            </a:r>
             <a:endParaRPr lang="pt-BR" dirty="0"/>
           </a:p>
-          <a:p>
-            <a:pPr marL="0" indent="0">
-              <a:buNone/>
-            </a:pPr>
-            <a:endParaRPr lang="pt-BR" dirty="0"/>
-          </a:p>
-        </p:txBody>
-      </p:sp>
-      <p:sp>
-        <p:nvSpPr>
-          <p:cNvPr id="4" name="Espaço Reservado para Rodapé 3"/>
+        </p:txBody>
+      </p:sp>
+      <p:sp>
+        <p:nvSpPr>
+          <p:cNvPr id="4" name="Espaço Reservado para Rodapé 3">
+            <a:extLst>
+              <a:ext uri="{FF2B5EF4-FFF2-40B4-BE49-F238E27FC236}">
+                <a16:creationId xmlns:a16="http://schemas.microsoft.com/office/drawing/2014/main" id="{97330224-2C40-4911-940D-1DF831D6A8FE}"/>
+              </a:ext>
+            </a:extLst>
+          </p:cNvPr>
           <p:cNvSpPr>
             <a:spLocks noGrp="1"/>
           </p:cNvSpPr>
@@ -18009,7 +19877,13 @@
       </p:sp>
       <p:sp>
         <p:nvSpPr>
-          <p:cNvPr id="5" name="Espaço Reservado para Número de Slide 4"/>
+          <p:cNvPr id="5" name="Espaço Reservado para Número de Slide 4">
+            <a:extLst>
+              <a:ext uri="{FF2B5EF4-FFF2-40B4-BE49-F238E27FC236}">
+                <a16:creationId xmlns:a16="http://schemas.microsoft.com/office/drawing/2014/main" id="{0F3FD3E7-1A97-49CA-B11A-9537B71B516F}"/>
+              </a:ext>
+            </a:extLst>
+          </p:cNvPr>
           <p:cNvSpPr>
             <a:spLocks noGrp="1"/>
           </p:cNvSpPr>
@@ -18033,20 +19907,20 @@
     </p:spTree>
     <p:extLst>
       <p:ext uri="{BB962C8B-B14F-4D97-AF65-F5344CB8AC3E}">
-        <p14:creationId xmlns:p14="http://schemas.microsoft.com/office/powerpoint/2010/main" val="2074956120"/>
+        <p14:creationId xmlns:p14="http://schemas.microsoft.com/office/powerpoint/2010/main" val="2941574620"/>
       </p:ext>
     </p:extLst>
   </p:cSld>
   <p:clrMapOvr>
     <a:masterClrMapping/>
   </p:clrMapOvr>
-  <mc:AlternateContent xmlns:mc="http://schemas.openxmlformats.org/markup-compatibility/2006" xmlns:p14="http://schemas.microsoft.com/office/powerpoint/2010/main">
-    <mc:Choice Requires="p14">
+  <mc:AlternateContent xmlns:mc="http://schemas.openxmlformats.org/markup-compatibility/2006">
+    <mc:Choice xmlns:p14="http://schemas.microsoft.com/office/powerpoint/2010/main" Requires="p14">
       <p:transition spd="med" p14:dur="700">
         <p:fade/>
       </p:transition>
     </mc:Choice>
-    <mc:Fallback xmlns="">
+    <mc:Fallback>
       <p:transition spd="med">
         <p:fade/>
       </p:transition>
@@ -18089,7 +19963,7 @@
           <a:p>
             <a:r>
               <a:rPr lang="pt-BR" dirty="0"/>
-              <a:t>Divisibilidade por 6</a:t>
+              <a:t>Divisibilidade por 5</a:t>
             </a:r>
           </a:p>
         </p:txBody>
@@ -18106,103 +19980,19 @@
         </p:nvSpPr>
         <p:spPr/>
         <p:txBody>
-          <a:bodyPr>
-            <a:normAutofit/>
-          </a:bodyPr>
-          <a:lstStyle/>
-          <a:p>
-            <a:pPr marL="514350" indent="-514350">
-              <a:buAutoNum type="alphaLcParenR"/>
-            </a:pPr>
+          <a:bodyPr/>
+          <a:lstStyle/>
+          <a:p>
             <a:r>
               <a:rPr lang="pt-BR" dirty="0"/>
-              <a:t>174 </a:t>
-            </a:r>
-            <a:r>
-              <a:rPr lang="pt-BR" dirty="0">
-                <a:solidFill>
-                  <a:srgbClr val="FF0000"/>
-                </a:solidFill>
-              </a:rPr>
-              <a:t>Sim, pois é par (divisível por 2) e 1+7+4 = 12 (divisível por 3)</a:t>
-            </a:r>
-          </a:p>
-          <a:p>
-            <a:pPr marL="514350" indent="-514350">
-              <a:buAutoNum type="alphaLcParenR"/>
-            </a:pPr>
-            <a:endParaRPr lang="pt-BR" dirty="0"/>
-          </a:p>
-          <a:p>
-            <a:pPr marL="514350" indent="-514350">
-              <a:buFont typeface="Euphemia" pitchFamily="34" charset="0"/>
-              <a:buAutoNum type="alphaLcParenR"/>
-            </a:pPr>
+              <a:t>Todo número que termina com 0 ou 5;</a:t>
+            </a:r>
+          </a:p>
+          <a:p>
             <a:r>
               <a:rPr lang="pt-BR" dirty="0"/>
-              <a:t>1252 </a:t>
-            </a:r>
-            <a:r>
-              <a:rPr lang="pt-BR" dirty="0">
-                <a:solidFill>
-                  <a:srgbClr val="FF0000"/>
-                </a:solidFill>
-              </a:rPr>
-              <a:t>Não,1+2+5+2 = 10 e não é múltiplo de 3</a:t>
-            </a:r>
-            <a:endParaRPr lang="pt-BR" dirty="0"/>
-          </a:p>
-          <a:p>
-            <a:pPr marL="514350" indent="-514350">
-              <a:buAutoNum type="alphaLcParenR"/>
-            </a:pPr>
-            <a:r>
-              <a:rPr lang="pt-BR" dirty="0"/>
-              <a:t>273 </a:t>
-            </a:r>
-            <a:r>
-              <a:rPr lang="pt-BR" dirty="0">
-                <a:solidFill>
-                  <a:srgbClr val="FF0000"/>
-                </a:solidFill>
-              </a:rPr>
-              <a:t>Não, pois não é par</a:t>
-            </a:r>
-          </a:p>
-          <a:p>
-            <a:pPr marL="514350" indent="-514350">
-              <a:buAutoNum type="alphaLcParenR"/>
-            </a:pPr>
-            <a:endParaRPr lang="pt-BR" dirty="0"/>
-          </a:p>
-          <a:p>
-            <a:pPr marL="514350" indent="-514350">
-              <a:buAutoNum type="alphaLcParenR"/>
-            </a:pPr>
-            <a:r>
-              <a:rPr lang="pt-BR" dirty="0"/>
-              <a:t>1197 </a:t>
-            </a:r>
-            <a:r>
-              <a:rPr lang="pt-BR" dirty="0">
-                <a:solidFill>
-                  <a:srgbClr val="FF0000"/>
-                </a:solidFill>
-              </a:rPr>
-              <a:t>Não, não é par nem o número 1+2+9+7 = 19  não é múltiplo de 3</a:t>
-            </a:r>
-          </a:p>
-          <a:p>
-            <a:pPr marL="0" indent="0">
-              <a:buNone/>
-            </a:pPr>
-            <a:endParaRPr lang="pt-BR" dirty="0"/>
-          </a:p>
-          <a:p>
-            <a:pPr marL="0" indent="0">
-              <a:buNone/>
-            </a:pPr>
-            <a:endParaRPr lang="pt-BR" dirty="0"/>
+              <a:t>Ex.: 5, 10, 15, 25,190,2.125,84.320,...</a:t>
+            </a:r>
           </a:p>
         </p:txBody>
       </p:sp>
@@ -18254,7 +20044,7 @@
     </p:spTree>
     <p:extLst>
       <p:ext uri="{BB962C8B-B14F-4D97-AF65-F5344CB8AC3E}">
-        <p14:creationId xmlns:p14="http://schemas.microsoft.com/office/powerpoint/2010/main" val="596194452"/>
+        <p14:creationId xmlns:p14="http://schemas.microsoft.com/office/powerpoint/2010/main" val="3628114401"/>
       </p:ext>
     </p:extLst>
   </p:cSld>
@@ -18310,7 +20100,7 @@
           <a:p>
             <a:r>
               <a:rPr lang="pt-BR" dirty="0"/>
-              <a:t>Divisibilidade por 7</a:t>
+              <a:t>Divisibilidade por 6</a:t>
             </a:r>
           </a:p>
         </p:txBody>
@@ -18328,79 +20118,73 @@
         <p:spPr/>
         <p:txBody>
           <a:bodyPr>
-            <a:normAutofit lnSpcReduction="10000"/>
+            <a:normAutofit/>
           </a:bodyPr>
           <a:lstStyle/>
           <a:p>
-            <a:pPr marL="0" indent="0" algn="ctr">
+            <a:pPr marL="0" indent="0">
+              <a:buNone/>
+            </a:pPr>
+            <a:r>
+              <a:rPr lang="pt-BR" dirty="0"/>
+              <a:t>Um número é divisível por 6 se o número for divisível por 2 e por 3 ao mesmo tempo.</a:t>
+            </a:r>
+          </a:p>
+          <a:p>
+            <a:pPr marL="0" indent="0">
+              <a:buNone/>
+            </a:pPr>
+            <a:r>
+              <a:rPr lang="pt-BR" dirty="0"/>
+              <a:t>Ex.: Quais números são divisíveis por 6?</a:t>
+            </a:r>
+          </a:p>
+          <a:p>
+            <a:pPr marL="514350" indent="-514350">
+              <a:buAutoNum type="alphaLcParenR"/>
+            </a:pPr>
+            <a:r>
+              <a:rPr lang="pt-BR" dirty="0"/>
+              <a:t>174</a:t>
+            </a:r>
+          </a:p>
+          <a:p>
+            <a:pPr marL="514350" indent="-514350">
+              <a:buAutoNum type="alphaLcParenR"/>
+            </a:pPr>
+            <a:r>
+              <a:rPr lang="pt-BR" dirty="0"/>
+              <a:t>1252</a:t>
+            </a:r>
+          </a:p>
+          <a:p>
+            <a:pPr marL="514350" indent="-514350">
+              <a:buAutoNum type="alphaLcParenR"/>
+            </a:pPr>
+            <a:r>
+              <a:rPr lang="pt-BR" dirty="0"/>
+              <a:t>271</a:t>
+            </a:r>
+          </a:p>
+          <a:p>
+            <a:pPr marL="514350" indent="-514350">
+              <a:buAutoNum type="alphaLcParenR"/>
+            </a:pPr>
+            <a:r>
+              <a:rPr lang="pt-BR" dirty="0"/>
+              <a:t>510</a:t>
+            </a:r>
+          </a:p>
+          <a:p>
+            <a:pPr marL="0" indent="0">
               <a:buNone/>
             </a:pPr>
             <a:endParaRPr lang="pt-BR" dirty="0"/>
           </a:p>
           <a:p>
-            <a:pPr marL="0" indent="0" algn="ctr">
-              <a:buNone/>
-            </a:pPr>
-            <a:r>
-              <a:rPr lang="pt-BR" dirty="0"/>
-              <a:t>Existem duas formas</a:t>
-            </a:r>
-          </a:p>
-          <a:p>
             <a:pPr marL="0" indent="0">
               <a:buNone/>
             </a:pPr>
-            <a:r>
-              <a:rPr lang="pt-BR" b="1" dirty="0">
-                <a:solidFill>
-                  <a:srgbClr val="FF0000"/>
-                </a:solidFill>
-              </a:rPr>
-              <a:t>Forma 1</a:t>
-            </a:r>
-          </a:p>
-          <a:p>
-            <a:r>
-              <a:rPr lang="pt-BR" dirty="0"/>
-              <a:t>Número inicial menos 2 vezes o ultimo algarismo.</a:t>
-            </a:r>
-          </a:p>
-          <a:p>
-            <a:endParaRPr lang="pt-BR" dirty="0"/>
-          </a:p>
-          <a:p>
-            <a:pPr marL="0" indent="0">
-              <a:buNone/>
-            </a:pPr>
-            <a:r>
-              <a:rPr lang="pt-BR" b="1" dirty="0">
-                <a:solidFill>
-                  <a:srgbClr val="FF0000"/>
-                </a:solidFill>
-              </a:rPr>
-              <a:t>Forma 2</a:t>
-            </a:r>
-            <a:endParaRPr lang="pt-BR" dirty="0">
-              <a:solidFill>
-                <a:schemeClr val="tx2">
-                  <a:lumMod val="65000"/>
-                  <a:lumOff val="35000"/>
-                </a:schemeClr>
-              </a:solidFill>
-            </a:endParaRPr>
-          </a:p>
-          <a:p>
-            <a:r>
-              <a:rPr lang="pt-BR" dirty="0">
-                <a:solidFill>
-                  <a:schemeClr val="tx2">
-                    <a:lumMod val="65000"/>
-                    <a:lumOff val="35000"/>
-                  </a:schemeClr>
-                </a:solidFill>
-              </a:rPr>
-              <a:t>Número inicial mais 5 vezes o ultimo algarismo</a:t>
-            </a:r>
             <a:endParaRPr lang="pt-BR" dirty="0"/>
           </a:p>
         </p:txBody>
@@ -18453,7 +20237,7 @@
     </p:spTree>
     <p:extLst>
       <p:ext uri="{BB962C8B-B14F-4D97-AF65-F5344CB8AC3E}">
-        <p14:creationId xmlns:p14="http://schemas.microsoft.com/office/powerpoint/2010/main" val="213939106"/>
+        <p14:creationId xmlns:p14="http://schemas.microsoft.com/office/powerpoint/2010/main" val="2074956120"/>
       </p:ext>
     </p:extLst>
   </p:cSld>
